--- a/DATA 606 Presentation.pptx
+++ b/DATA 606 Presentation.pptx
@@ -4,11 +4,13 @@
   <p:sldMasterIdLst>
     <p:sldMasterId id="2147483648" r:id="rId1"/>
   </p:sldMasterIdLst>
+  <p:notesMasterIdLst>
+    <p:notesMasterId r:id="rId5"/>
+  </p:notesMasterIdLst>
   <p:sldIdLst>
     <p:sldId id="256" r:id="rId2"/>
     <p:sldId id="257" r:id="rId3"/>
     <p:sldId id="258" r:id="rId4"/>
-    <p:sldId id="259" r:id="rId5"/>
   </p:sldIdLst>
   <p:sldSz cx="12192000" cy="6858000"/>
   <p:notesSz cx="6858000" cy="9144000"/>
@@ -107,7 +109,550 @@
       </a:defRPr>
     </a:lvl9pPr>
   </p:defaultTextStyle>
+  <p:extLst>
+    <p:ext uri="{EFAFB233-063F-42B5-8137-9DF3F51BA10A}">
+      <p15:sldGuideLst xmlns:p15="http://schemas.microsoft.com/office/powerpoint/2012/main"/>
+    </p:ext>
+  </p:extLst>
 </p:presentation>
+</file>
+
+<file path=ppt/notesMasters/notesMaster1.xml><?xml version="1.0" encoding="utf-8"?>
+<p:notesMaster xmlns:a="http://schemas.openxmlformats.org/drawingml/2006/main" xmlns:r="http://schemas.openxmlformats.org/officeDocument/2006/relationships" xmlns:p="http://schemas.openxmlformats.org/presentationml/2006/main">
+  <p:cSld>
+    <p:bg>
+      <p:bgRef idx="1001">
+        <a:schemeClr val="bg1"/>
+      </p:bgRef>
+    </p:bg>
+    <p:spTree>
+      <p:nvGrpSpPr>
+        <p:cNvPr id="1" name=""/>
+        <p:cNvGrpSpPr/>
+        <p:nvPr/>
+      </p:nvGrpSpPr>
+      <p:grpSpPr>
+        <a:xfrm>
+          <a:off x="0" y="0"/>
+          <a:ext cx="0" cy="0"/>
+          <a:chOff x="0" y="0"/>
+          <a:chExt cx="0" cy="0"/>
+        </a:xfrm>
+      </p:grpSpPr>
+      <p:sp>
+        <p:nvSpPr>
+          <p:cNvPr id="2" name="Header Placeholder 1"/>
+          <p:cNvSpPr>
+            <a:spLocks noGrp="1"/>
+          </p:cNvSpPr>
+          <p:nvPr>
+            <p:ph type="hdr" sz="quarter"/>
+          </p:nvPr>
+        </p:nvSpPr>
+        <p:spPr>
+          <a:xfrm>
+            <a:off x="0" y="0"/>
+            <a:ext cx="2971800" cy="458788"/>
+          </a:xfrm>
+          <a:prstGeom prst="rect">
+            <a:avLst/>
+          </a:prstGeom>
+        </p:spPr>
+        <p:txBody>
+          <a:bodyPr vert="horz" lIns="91440" tIns="45720" rIns="91440" bIns="45720" rtlCol="0"/>
+          <a:lstStyle>
+            <a:lvl1pPr algn="l">
+              <a:defRPr sz="1200"/>
+            </a:lvl1pPr>
+          </a:lstStyle>
+          <a:p>
+            <a:endParaRPr lang="en-US"/>
+          </a:p>
+        </p:txBody>
+      </p:sp>
+      <p:sp>
+        <p:nvSpPr>
+          <p:cNvPr id="3" name="Date Placeholder 2"/>
+          <p:cNvSpPr>
+            <a:spLocks noGrp="1"/>
+          </p:cNvSpPr>
+          <p:nvPr>
+            <p:ph type="dt" idx="1"/>
+          </p:nvPr>
+        </p:nvSpPr>
+        <p:spPr>
+          <a:xfrm>
+            <a:off x="3884613" y="0"/>
+            <a:ext cx="2971800" cy="458788"/>
+          </a:xfrm>
+          <a:prstGeom prst="rect">
+            <a:avLst/>
+          </a:prstGeom>
+        </p:spPr>
+        <p:txBody>
+          <a:bodyPr vert="horz" lIns="91440" tIns="45720" rIns="91440" bIns="45720" rtlCol="0"/>
+          <a:lstStyle>
+            <a:lvl1pPr algn="r">
+              <a:defRPr sz="1200"/>
+            </a:lvl1pPr>
+          </a:lstStyle>
+          <a:p>
+            <a:fld id="{0566BB51-B497-4D19-80DF-817A2ECEF927}" type="datetimeFigureOut">
+              <a:rPr lang="en-US" smtClean="0"/>
+              <a:t>10/2/2019</a:t>
+            </a:fld>
+            <a:endParaRPr lang="en-US"/>
+          </a:p>
+        </p:txBody>
+      </p:sp>
+      <p:sp>
+        <p:nvSpPr>
+          <p:cNvPr id="4" name="Slide Image Placeholder 3"/>
+          <p:cNvSpPr>
+            <a:spLocks noGrp="1" noRot="1" noChangeAspect="1"/>
+          </p:cNvSpPr>
+          <p:nvPr>
+            <p:ph type="sldImg" idx="2"/>
+          </p:nvPr>
+        </p:nvSpPr>
+        <p:spPr>
+          <a:xfrm>
+            <a:off x="685800" y="1143000"/>
+            <a:ext cx="5486400" cy="3086100"/>
+          </a:xfrm>
+          <a:prstGeom prst="rect">
+            <a:avLst/>
+          </a:prstGeom>
+          <a:noFill/>
+          <a:ln w="12700">
+            <a:solidFill>
+              <a:prstClr val="black"/>
+            </a:solidFill>
+          </a:ln>
+        </p:spPr>
+        <p:txBody>
+          <a:bodyPr vert="horz" lIns="91440" tIns="45720" rIns="91440" bIns="45720" rtlCol="0" anchor="ctr"/>
+          <a:lstStyle/>
+          <a:p>
+            <a:endParaRPr lang="en-US"/>
+          </a:p>
+        </p:txBody>
+      </p:sp>
+      <p:sp>
+        <p:nvSpPr>
+          <p:cNvPr id="5" name="Notes Placeholder 4"/>
+          <p:cNvSpPr>
+            <a:spLocks noGrp="1"/>
+          </p:cNvSpPr>
+          <p:nvPr>
+            <p:ph type="body" sz="quarter" idx="3"/>
+          </p:nvPr>
+        </p:nvSpPr>
+        <p:spPr>
+          <a:xfrm>
+            <a:off x="685800" y="4400550"/>
+            <a:ext cx="5486400" cy="3600450"/>
+          </a:xfrm>
+          <a:prstGeom prst="rect">
+            <a:avLst/>
+          </a:prstGeom>
+        </p:spPr>
+        <p:txBody>
+          <a:bodyPr vert="horz" lIns="91440" tIns="45720" rIns="91440" bIns="45720" rtlCol="0"/>
+          <a:lstStyle/>
+          <a:p>
+            <a:pPr lvl="0"/>
+            <a:r>
+              <a:rPr lang="en-US" smtClean="0"/>
+              <a:t>Edit Master text styles</a:t>
+            </a:r>
+          </a:p>
+          <a:p>
+            <a:pPr lvl="1"/>
+            <a:r>
+              <a:rPr lang="en-US" smtClean="0"/>
+              <a:t>Second level</a:t>
+            </a:r>
+          </a:p>
+          <a:p>
+            <a:pPr lvl="2"/>
+            <a:r>
+              <a:rPr lang="en-US" smtClean="0"/>
+              <a:t>Third level</a:t>
+            </a:r>
+          </a:p>
+          <a:p>
+            <a:pPr lvl="3"/>
+            <a:r>
+              <a:rPr lang="en-US" smtClean="0"/>
+              <a:t>Fourth level</a:t>
+            </a:r>
+          </a:p>
+          <a:p>
+            <a:pPr lvl="4"/>
+            <a:r>
+              <a:rPr lang="en-US" smtClean="0"/>
+              <a:t>Fifth level</a:t>
+            </a:r>
+            <a:endParaRPr lang="en-US"/>
+          </a:p>
+        </p:txBody>
+      </p:sp>
+      <p:sp>
+        <p:nvSpPr>
+          <p:cNvPr id="6" name="Footer Placeholder 5"/>
+          <p:cNvSpPr>
+            <a:spLocks noGrp="1"/>
+          </p:cNvSpPr>
+          <p:nvPr>
+            <p:ph type="ftr" sz="quarter" idx="4"/>
+          </p:nvPr>
+        </p:nvSpPr>
+        <p:spPr>
+          <a:xfrm>
+            <a:off x="0" y="8685213"/>
+            <a:ext cx="2971800" cy="458787"/>
+          </a:xfrm>
+          <a:prstGeom prst="rect">
+            <a:avLst/>
+          </a:prstGeom>
+        </p:spPr>
+        <p:txBody>
+          <a:bodyPr vert="horz" lIns="91440" tIns="45720" rIns="91440" bIns="45720" rtlCol="0" anchor="b"/>
+          <a:lstStyle>
+            <a:lvl1pPr algn="l">
+              <a:defRPr sz="1200"/>
+            </a:lvl1pPr>
+          </a:lstStyle>
+          <a:p>
+            <a:endParaRPr lang="en-US"/>
+          </a:p>
+        </p:txBody>
+      </p:sp>
+      <p:sp>
+        <p:nvSpPr>
+          <p:cNvPr id="7" name="Slide Number Placeholder 6"/>
+          <p:cNvSpPr>
+            <a:spLocks noGrp="1"/>
+          </p:cNvSpPr>
+          <p:nvPr>
+            <p:ph type="sldNum" sz="quarter" idx="5"/>
+          </p:nvPr>
+        </p:nvSpPr>
+        <p:spPr>
+          <a:xfrm>
+            <a:off x="3884613" y="8685213"/>
+            <a:ext cx="2971800" cy="458787"/>
+          </a:xfrm>
+          <a:prstGeom prst="rect">
+            <a:avLst/>
+          </a:prstGeom>
+        </p:spPr>
+        <p:txBody>
+          <a:bodyPr vert="horz" lIns="91440" tIns="45720" rIns="91440" bIns="45720" rtlCol="0" anchor="b"/>
+          <a:lstStyle>
+            <a:lvl1pPr algn="r">
+              <a:defRPr sz="1200"/>
+            </a:lvl1pPr>
+          </a:lstStyle>
+          <a:p>
+            <a:fld id="{0067357C-1B4C-4F56-B8E9-24C5D053B02A}" type="slidenum">
+              <a:rPr lang="en-US" smtClean="0"/>
+              <a:t>‹#›</a:t>
+            </a:fld>
+            <a:endParaRPr lang="en-US"/>
+          </a:p>
+        </p:txBody>
+      </p:sp>
+    </p:spTree>
+    <p:extLst>
+      <p:ext uri="{BB962C8B-B14F-4D97-AF65-F5344CB8AC3E}">
+        <p14:creationId xmlns:p14="http://schemas.microsoft.com/office/powerpoint/2010/main" val="3402991581"/>
+      </p:ext>
+    </p:extLst>
+  </p:cSld>
+  <p:clrMap bg1="lt1" tx1="dk1" bg2="lt2" tx2="dk2" accent1="accent1" accent2="accent2" accent3="accent3" accent4="accent4" accent5="accent5" accent6="accent6" hlink="hlink" folHlink="folHlink"/>
+  <p:notesStyle>
+    <a:lvl1pPr marL="0" algn="l" defTabSz="914400" rtl="0" eaLnBrk="1" latinLnBrk="0" hangingPunct="1">
+      <a:defRPr sz="1200" kern="1200">
+        <a:solidFill>
+          <a:schemeClr val="tx1"/>
+        </a:solidFill>
+        <a:latin typeface="+mn-lt"/>
+        <a:ea typeface="+mn-ea"/>
+        <a:cs typeface="+mn-cs"/>
+      </a:defRPr>
+    </a:lvl1pPr>
+    <a:lvl2pPr marL="457200" algn="l" defTabSz="914400" rtl="0" eaLnBrk="1" latinLnBrk="0" hangingPunct="1">
+      <a:defRPr sz="1200" kern="1200">
+        <a:solidFill>
+          <a:schemeClr val="tx1"/>
+        </a:solidFill>
+        <a:latin typeface="+mn-lt"/>
+        <a:ea typeface="+mn-ea"/>
+        <a:cs typeface="+mn-cs"/>
+      </a:defRPr>
+    </a:lvl2pPr>
+    <a:lvl3pPr marL="914400" algn="l" defTabSz="914400" rtl="0" eaLnBrk="1" latinLnBrk="0" hangingPunct="1">
+      <a:defRPr sz="1200" kern="1200">
+        <a:solidFill>
+          <a:schemeClr val="tx1"/>
+        </a:solidFill>
+        <a:latin typeface="+mn-lt"/>
+        <a:ea typeface="+mn-ea"/>
+        <a:cs typeface="+mn-cs"/>
+      </a:defRPr>
+    </a:lvl3pPr>
+    <a:lvl4pPr marL="1371600" algn="l" defTabSz="914400" rtl="0" eaLnBrk="1" latinLnBrk="0" hangingPunct="1">
+      <a:defRPr sz="1200" kern="1200">
+        <a:solidFill>
+          <a:schemeClr val="tx1"/>
+        </a:solidFill>
+        <a:latin typeface="+mn-lt"/>
+        <a:ea typeface="+mn-ea"/>
+        <a:cs typeface="+mn-cs"/>
+      </a:defRPr>
+    </a:lvl4pPr>
+    <a:lvl5pPr marL="1828800" algn="l" defTabSz="914400" rtl="0" eaLnBrk="1" latinLnBrk="0" hangingPunct="1">
+      <a:defRPr sz="1200" kern="1200">
+        <a:solidFill>
+          <a:schemeClr val="tx1"/>
+        </a:solidFill>
+        <a:latin typeface="+mn-lt"/>
+        <a:ea typeface="+mn-ea"/>
+        <a:cs typeface="+mn-cs"/>
+      </a:defRPr>
+    </a:lvl5pPr>
+    <a:lvl6pPr marL="2286000" algn="l" defTabSz="914400" rtl="0" eaLnBrk="1" latinLnBrk="0" hangingPunct="1">
+      <a:defRPr sz="1200" kern="1200">
+        <a:solidFill>
+          <a:schemeClr val="tx1"/>
+        </a:solidFill>
+        <a:latin typeface="+mn-lt"/>
+        <a:ea typeface="+mn-ea"/>
+        <a:cs typeface="+mn-cs"/>
+      </a:defRPr>
+    </a:lvl6pPr>
+    <a:lvl7pPr marL="2743200" algn="l" defTabSz="914400" rtl="0" eaLnBrk="1" latinLnBrk="0" hangingPunct="1">
+      <a:defRPr sz="1200" kern="1200">
+        <a:solidFill>
+          <a:schemeClr val="tx1"/>
+        </a:solidFill>
+        <a:latin typeface="+mn-lt"/>
+        <a:ea typeface="+mn-ea"/>
+        <a:cs typeface="+mn-cs"/>
+      </a:defRPr>
+    </a:lvl7pPr>
+    <a:lvl8pPr marL="3200400" algn="l" defTabSz="914400" rtl="0" eaLnBrk="1" latinLnBrk="0" hangingPunct="1">
+      <a:defRPr sz="1200" kern="1200">
+        <a:solidFill>
+          <a:schemeClr val="tx1"/>
+        </a:solidFill>
+        <a:latin typeface="+mn-lt"/>
+        <a:ea typeface="+mn-ea"/>
+        <a:cs typeface="+mn-cs"/>
+      </a:defRPr>
+    </a:lvl8pPr>
+    <a:lvl9pPr marL="3657600" algn="l" defTabSz="914400" rtl="0" eaLnBrk="1" latinLnBrk="0" hangingPunct="1">
+      <a:defRPr sz="1200" kern="1200">
+        <a:solidFill>
+          <a:schemeClr val="tx1"/>
+        </a:solidFill>
+        <a:latin typeface="+mn-lt"/>
+        <a:ea typeface="+mn-ea"/>
+        <a:cs typeface="+mn-cs"/>
+      </a:defRPr>
+    </a:lvl9pPr>
+  </p:notesStyle>
+</p:notesMaster>
+</file>
+
+<file path=ppt/notesSlides/notesSlide1.xml><?xml version="1.0" encoding="utf-8"?>
+<p:notes xmlns:a="http://schemas.openxmlformats.org/drawingml/2006/main" xmlns:r="http://schemas.openxmlformats.org/officeDocument/2006/relationships" xmlns:p="http://schemas.openxmlformats.org/presentationml/2006/main">
+  <p:cSld>
+    <p:spTree>
+      <p:nvGrpSpPr>
+        <p:cNvPr id="1" name=""/>
+        <p:cNvGrpSpPr/>
+        <p:nvPr/>
+      </p:nvGrpSpPr>
+      <p:grpSpPr>
+        <a:xfrm>
+          <a:off x="0" y="0"/>
+          <a:ext cx="0" cy="0"/>
+          <a:chOff x="0" y="0"/>
+          <a:chExt cx="0" cy="0"/>
+        </a:xfrm>
+      </p:grpSpPr>
+      <p:sp>
+        <p:nvSpPr>
+          <p:cNvPr id="2" name="Slide Image Placeholder 1"/>
+          <p:cNvSpPr>
+            <a:spLocks noGrp="1" noRot="1" noChangeAspect="1"/>
+          </p:cNvSpPr>
+          <p:nvPr>
+            <p:ph type="sldImg"/>
+          </p:nvPr>
+        </p:nvSpPr>
+        <p:spPr/>
+      </p:sp>
+      <p:sp>
+        <p:nvSpPr>
+          <p:cNvPr id="3" name="Notes Placeholder 2"/>
+          <p:cNvSpPr>
+            <a:spLocks noGrp="1"/>
+          </p:cNvSpPr>
+          <p:nvPr>
+            <p:ph type="body" idx="1"/>
+          </p:nvPr>
+        </p:nvSpPr>
+        <p:spPr/>
+        <p:txBody>
+          <a:bodyPr/>
+          <a:lstStyle/>
+          <a:p>
+            <a:endParaRPr lang="en-US" dirty="0"/>
+          </a:p>
+        </p:txBody>
+      </p:sp>
+      <p:sp>
+        <p:nvSpPr>
+          <p:cNvPr id="4" name="Slide Number Placeholder 3"/>
+          <p:cNvSpPr>
+            <a:spLocks noGrp="1"/>
+          </p:cNvSpPr>
+          <p:nvPr>
+            <p:ph type="sldNum" sz="quarter" idx="10"/>
+          </p:nvPr>
+        </p:nvSpPr>
+        <p:spPr/>
+        <p:txBody>
+          <a:bodyPr/>
+          <a:lstStyle/>
+          <a:p>
+            <a:fld id="{0067357C-1B4C-4F56-B8E9-24C5D053B02A}" type="slidenum">
+              <a:rPr lang="en-US" smtClean="0"/>
+              <a:t>1</a:t>
+            </a:fld>
+            <a:endParaRPr lang="en-US"/>
+          </a:p>
+        </p:txBody>
+      </p:sp>
+    </p:spTree>
+    <p:extLst>
+      <p:ext uri="{BB962C8B-B14F-4D97-AF65-F5344CB8AC3E}">
+        <p14:creationId xmlns:p14="http://schemas.microsoft.com/office/powerpoint/2010/main" val="1779251090"/>
+      </p:ext>
+    </p:extLst>
+  </p:cSld>
+  <p:clrMapOvr>
+    <a:masterClrMapping/>
+  </p:clrMapOvr>
+</p:notes>
+</file>
+
+<file path=ppt/notesSlides/notesSlide2.xml><?xml version="1.0" encoding="utf-8"?>
+<p:notes xmlns:a="http://schemas.openxmlformats.org/drawingml/2006/main" xmlns:r="http://schemas.openxmlformats.org/officeDocument/2006/relationships" xmlns:p="http://schemas.openxmlformats.org/presentationml/2006/main">
+  <p:cSld>
+    <p:spTree>
+      <p:nvGrpSpPr>
+        <p:cNvPr id="1" name=""/>
+        <p:cNvGrpSpPr/>
+        <p:nvPr/>
+      </p:nvGrpSpPr>
+      <p:grpSpPr>
+        <a:xfrm>
+          <a:off x="0" y="0"/>
+          <a:ext cx="0" cy="0"/>
+          <a:chOff x="0" y="0"/>
+          <a:chExt cx="0" cy="0"/>
+        </a:xfrm>
+      </p:grpSpPr>
+      <p:sp>
+        <p:nvSpPr>
+          <p:cNvPr id="2" name="Slide Image Placeholder 1"/>
+          <p:cNvSpPr>
+            <a:spLocks noGrp="1" noRot="1" noChangeAspect="1"/>
+          </p:cNvSpPr>
+          <p:nvPr>
+            <p:ph type="sldImg"/>
+          </p:nvPr>
+        </p:nvSpPr>
+        <p:spPr/>
+      </p:sp>
+      <p:sp>
+        <p:nvSpPr>
+          <p:cNvPr id="3" name="Notes Placeholder 2"/>
+          <p:cNvSpPr>
+            <a:spLocks noGrp="1"/>
+          </p:cNvSpPr>
+          <p:nvPr>
+            <p:ph type="body" idx="1"/>
+          </p:nvPr>
+        </p:nvSpPr>
+        <p:spPr/>
+        <p:txBody>
+          <a:bodyPr/>
+          <a:lstStyle/>
+          <a:p>
+            <a:pPr marL="228600" indent="-228600">
+              <a:buAutoNum type="alphaUcPeriod"/>
+            </a:pPr>
+            <a:r>
+              <a:rPr lang="en-US" dirty="0" smtClean="0"/>
+              <a:t>Make note this is only for a single week not all Productions</a:t>
+            </a:r>
+            <a:r>
+              <a:rPr lang="en-US" baseline="0" dirty="0" smtClean="0"/>
+              <a:t> of all time</a:t>
+            </a:r>
+          </a:p>
+          <a:p>
+            <a:pPr marL="0" indent="0">
+              <a:buNone/>
+            </a:pPr>
+            <a:r>
+              <a:rPr lang="en-US" baseline="0" dirty="0" smtClean="0"/>
+              <a:t>D. Very close to the Standard Dev</a:t>
+            </a:r>
+            <a:endParaRPr lang="en-US" dirty="0"/>
+          </a:p>
+        </p:txBody>
+      </p:sp>
+      <p:sp>
+        <p:nvSpPr>
+          <p:cNvPr id="4" name="Slide Number Placeholder 3"/>
+          <p:cNvSpPr>
+            <a:spLocks noGrp="1"/>
+          </p:cNvSpPr>
+          <p:nvPr>
+            <p:ph type="sldNum" sz="quarter" idx="10"/>
+          </p:nvPr>
+        </p:nvSpPr>
+        <p:spPr/>
+        <p:txBody>
+          <a:bodyPr/>
+          <a:lstStyle/>
+          <a:p>
+            <a:fld id="{0067357C-1B4C-4F56-B8E9-24C5D053B02A}" type="slidenum">
+              <a:rPr lang="en-US" smtClean="0"/>
+              <a:t>2</a:t>
+            </a:fld>
+            <a:endParaRPr lang="en-US"/>
+          </a:p>
+        </p:txBody>
+      </p:sp>
+    </p:spTree>
+    <p:extLst>
+      <p:ext uri="{BB962C8B-B14F-4D97-AF65-F5344CB8AC3E}">
+        <p14:creationId xmlns:p14="http://schemas.microsoft.com/office/powerpoint/2010/main" val="870774420"/>
+      </p:ext>
+    </p:extLst>
+  </p:cSld>
+  <p:clrMapOvr>
+    <a:masterClrMapping/>
+  </p:clrMapOvr>
+</p:notes>
 </file>
 
 <file path=ppt/slideLayouts/slideLayout1.xml><?xml version="1.0" encoding="utf-8"?>
@@ -5938,7 +6483,11 @@
           <a:p>
             <a:r>
               <a:rPr lang="en-US" dirty="0"/>
-              <a:t>5.3 Quality control. </a:t>
+              <a:t>5.3 Quality </a:t>
+            </a:r>
+            <a:r>
+              <a:rPr lang="en-US" dirty="0" smtClean="0"/>
+              <a:t>control </a:t>
             </a:r>
             <a:endParaRPr lang="en-US" dirty="0"/>
           </a:p>
@@ -6066,7 +6615,6 @@
               <a:rPr lang="en-US" dirty="0"/>
               <a:t>What population is under consideration in the data set?</a:t>
             </a:r>
-            <a:endParaRPr lang="en-US" dirty="0"/>
           </a:p>
         </p:txBody>
       </p:sp>
@@ -6292,6 +6840,7 @@
             </a:lvl9pPr>
           </a:lstStyle>
           <a:p>
+            <a:pPr lvl="1"/>
             <a:r>
               <a:rPr lang="en-US" dirty="0" smtClean="0"/>
               <a:t>Computer </a:t>
@@ -6300,7 +6849,6 @@
               <a:rPr lang="en-US" dirty="0"/>
               <a:t>chips during a week of production</a:t>
             </a:r>
-            <a:endParaRPr lang="en-US" dirty="0"/>
           </a:p>
         </p:txBody>
       </p:sp>
@@ -6314,7 +6862,7 @@
         </p:nvSpPr>
         <p:spPr>
           <a:xfrm>
-            <a:off x="711426" y="3792710"/>
+            <a:off x="580798" y="2997760"/>
             <a:ext cx="4365778" cy="763760"/>
           </a:xfrm>
           <a:prstGeom prst="rect">
@@ -6538,7 +7086,6 @@
               <a:rPr lang="en-US" dirty="0"/>
               <a:t>What parameter is being estimated</a:t>
             </a:r>
-            <a:endParaRPr lang="en-US" dirty="0"/>
           </a:p>
         </p:txBody>
       </p:sp>
@@ -6552,8 +7099,8 @@
         </p:nvSpPr>
         <p:spPr>
           <a:xfrm>
-            <a:off x="711426" y="4801397"/>
-            <a:ext cx="4365778" cy="1868824"/>
+            <a:off x="580798" y="3738688"/>
+            <a:ext cx="4365778" cy="746633"/>
           </a:xfrm>
           <a:prstGeom prst="rect">
             <a:avLst/>
@@ -6764,17 +7311,6 @@
             </a:lvl9pPr>
           </a:lstStyle>
           <a:p>
-            <a:r>
-              <a:rPr lang="en-US" dirty="0" smtClean="0"/>
-              <a:t>Parameters </a:t>
-            </a:r>
-            <a:r>
-              <a:rPr lang="en-US" dirty="0"/>
-              <a:t>are numbers that summarize data for an entire population.  </a:t>
-            </a:r>
-            <a:endParaRPr lang="en-US" dirty="0" smtClean="0"/>
-          </a:p>
-          <a:p>
             <a:pPr lvl="1"/>
             <a:r>
               <a:rPr lang="en-US" dirty="0" smtClean="0"/>
@@ -6782,9 +7318,16 @@
             </a:r>
             <a:r>
               <a:rPr lang="en-US" dirty="0"/>
-              <a:t>this case, it’s the fraction of chips that were defective.</a:t>
-            </a:r>
-            <a:endParaRPr lang="en-US" dirty="0"/>
+              <a:t>this case, it’s </a:t>
+            </a:r>
+            <a:r>
+              <a:rPr lang="en-US" dirty="0" smtClean="0"/>
+              <a:t>27/212 chips </a:t>
+            </a:r>
+            <a:r>
+              <a:rPr lang="en-US" dirty="0"/>
+              <a:t>that were defective.</a:t>
+            </a:r>
           </a:p>
         </p:txBody>
       </p:sp>
@@ -6798,7 +7341,7 @@
         </p:nvSpPr>
         <p:spPr>
           <a:xfrm>
-            <a:off x="5685056" y="1163011"/>
+            <a:off x="580798" y="4720795"/>
             <a:ext cx="4365778" cy="763760"/>
           </a:xfrm>
           <a:prstGeom prst="rect">
@@ -7018,7 +7561,6 @@
               <a:rPr lang="en-US" dirty="0"/>
               <a:t>What is the point estimate for the parameter?</a:t>
             </a:r>
-            <a:endParaRPr lang="en-US" dirty="0"/>
           </a:p>
         </p:txBody>
       </p:sp>
@@ -7032,8 +7574,8 @@
         </p:nvSpPr>
         <p:spPr>
           <a:xfrm>
-            <a:off x="5685056" y="1926771"/>
-            <a:ext cx="4365778" cy="1371600"/>
+            <a:off x="646111" y="5522349"/>
+            <a:ext cx="4365778" cy="745118"/>
           </a:xfrm>
           <a:prstGeom prst="rect">
             <a:avLst/>
@@ -7041,7 +7583,7 @@
         </p:spPr>
         <p:txBody>
           <a:bodyPr vert="horz" lIns="91440" tIns="45720" rIns="91440" bIns="45720" rtlCol="0">
-            <a:normAutofit fontScale="85000" lnSpcReduction="10000"/>
+            <a:normAutofit/>
           </a:bodyPr>
           <a:lstStyle>
             <a:lvl1pPr marL="342900" indent="-342900" algn="l" defTabSz="457200" rtl="0" eaLnBrk="1" latinLnBrk="0" hangingPunct="1">
@@ -7244,17 +7786,6 @@
             </a:lvl9pPr>
           </a:lstStyle>
           <a:p>
-            <a:r>
-              <a:rPr lang="en-US" dirty="0" smtClean="0"/>
-              <a:t>A </a:t>
-            </a:r>
-            <a:r>
-              <a:rPr lang="en-US" dirty="0"/>
-              <a:t>point estimate of a population parameter is a single value used to estimate the population parameter.  </a:t>
-            </a:r>
-            <a:endParaRPr lang="en-US" dirty="0" smtClean="0"/>
-          </a:p>
-          <a:p>
             <a:pPr lvl="1"/>
             <a:r>
               <a:rPr lang="en-US" dirty="0" smtClean="0"/>
@@ -7282,7 +7813,7 @@
         </p:nvSpPr>
         <p:spPr>
           <a:xfrm>
-            <a:off x="5685056" y="3894362"/>
+            <a:off x="5672808" y="1157978"/>
             <a:ext cx="4365778" cy="1200151"/>
           </a:xfrm>
           <a:prstGeom prst="rect">
@@ -7502,7 +8033,6 @@
               <a:rPr lang="en-US" dirty="0"/>
               <a:t>is the name of the statistic can we use to measure the uncertainty of the point estimate?</a:t>
             </a:r>
-            <a:endParaRPr lang="en-US" dirty="0"/>
           </a:p>
         </p:txBody>
       </p:sp>
@@ -7518,8 +8048,8 @@
             </p:nvSpPr>
             <p:spPr>
               <a:xfrm>
-                <a:off x="5685056" y="5225141"/>
-                <a:ext cx="4365778" cy="1387930"/>
+                <a:off x="5470740" y="2349384"/>
+                <a:ext cx="4987710" cy="1387930"/>
               </a:xfrm>
               <a:prstGeom prst="rect">
                 <a:avLst/>
@@ -7527,7 +8057,7 @@
             </p:spPr>
             <p:txBody>
               <a:bodyPr vert="horz" lIns="91440" tIns="45720" rIns="91440" bIns="45720" rtlCol="0">
-                <a:normAutofit fontScale="92500" lnSpcReduction="10000"/>
+                <a:normAutofit/>
               </a:bodyPr>
               <a:lstStyle>
                 <a:lvl1pPr marL="342900" indent="-342900" algn="l" defTabSz="457200" rtl="0" eaLnBrk="1" latinLnBrk="0" hangingPunct="1">
@@ -7730,6 +8260,7 @@
                 </a:lvl9pPr>
               </a:lstStyle>
               <a:p>
+                <a:pPr lvl="1"/>
                 <a:r>
                   <a:rPr lang="en-US" dirty="0" smtClean="0"/>
                   <a:t>Standard Error </a:t>
@@ -7882,15 +8413,25 @@
                         </m:f>
                       </m:e>
                     </m:rad>
+                    <m:r>
+                      <a:rPr lang="en-US" b="0" i="0" smtClean="0">
+                        <a:latin typeface="Cambria Math" panose="02040503050406030204" pitchFamily="18" charset="0"/>
+                      </a:rPr>
+                      <m:t> </m:t>
+                    </m:r>
                   </m:oMath>
                 </a14:m>
-                <a:endParaRPr lang="en-US" dirty="0" smtClean="0"/>
-              </a:p>
-              <a:p>
-                <a:pPr lvl="1"/>
                 <a:r>
                   <a:rPr lang="en-US" dirty="0" smtClean="0"/>
-                  <a:t>=.023 or 2.3%</a:t>
+                  <a:t>=.</a:t>
+                </a:r>
+                <a:r>
+                  <a:rPr lang="en-US" dirty="0" smtClean="0"/>
+                  <a:t>023 </a:t>
+                </a:r>
+                <a:r>
+                  <a:rPr lang="en-US" dirty="0" smtClean="0"/>
+                  <a:t>(2.3%)</a:t>
                 </a:r>
                 <a:endParaRPr lang="en-US" dirty="0"/>
               </a:p>
@@ -7908,16 +8449,16 @@
             </p:nvSpPr>
             <p:spPr>
               <a:xfrm>
-                <a:off x="5685056" y="5225141"/>
-                <a:ext cx="4365778" cy="1387930"/>
+                <a:off x="5470740" y="2349384"/>
+                <a:ext cx="4987710" cy="1387930"/>
               </a:xfrm>
               <a:prstGeom prst="rect">
                 <a:avLst/>
               </a:prstGeom>
               <a:blipFill>
-                <a:blip r:embed="rId2"/>
+                <a:blip r:embed="rId3"/>
                 <a:stretch>
-                  <a:fillRect l="-559" t="-4386" b="-877"/>
+                  <a:fillRect t="-2193"/>
                 </a:stretch>
               </a:blipFill>
             </p:spPr>
@@ -7936,6 +8477,664 @@
           </p:sp>
         </mc:Fallback>
       </mc:AlternateContent>
+      <p:sp>
+        <p:nvSpPr>
+          <p:cNvPr id="4" name="TextBox 3"/>
+          <p:cNvSpPr txBox="1"/>
+          <p:nvPr/>
+        </p:nvSpPr>
+        <p:spPr>
+          <a:xfrm>
+            <a:off x="10266800" y="1157978"/>
+            <a:ext cx="1502229" cy="923330"/>
+          </a:xfrm>
+          <a:prstGeom prst="rect">
+            <a:avLst/>
+          </a:prstGeom>
+          <a:noFill/>
+        </p:spPr>
+        <p:txBody>
+          <a:bodyPr wrap="square" rtlCol="0">
+            <a:spAutoFit/>
+          </a:bodyPr>
+          <a:lstStyle/>
+          <a:p>
+            <a:r>
+              <a:rPr lang="en-US" dirty="0" smtClean="0"/>
+              <a:t>Definitions:</a:t>
+            </a:r>
+          </a:p>
+          <a:p>
+            <a:endParaRPr lang="en-US" dirty="0"/>
+          </a:p>
+          <a:p>
+            <a:endParaRPr lang="en-US" dirty="0"/>
+          </a:p>
+        </p:txBody>
+      </p:sp>
+      <p:sp>
+        <p:nvSpPr>
+          <p:cNvPr id="8" name="TextBox 7"/>
+          <p:cNvSpPr txBox="1"/>
+          <p:nvPr/>
+        </p:nvSpPr>
+        <p:spPr>
+          <a:xfrm>
+            <a:off x="10050834" y="1455588"/>
+            <a:ext cx="1877187" cy="1661993"/>
+          </a:xfrm>
+          <a:prstGeom prst="rect">
+            <a:avLst/>
+          </a:prstGeom>
+          <a:noFill/>
+        </p:spPr>
+        <p:txBody>
+          <a:bodyPr wrap="square" rtlCol="0">
+            <a:spAutoFit/>
+          </a:bodyPr>
+          <a:lstStyle/>
+          <a:p>
+            <a:pPr marL="285750" indent="-285750">
+              <a:buFont typeface="Arial" panose="020B0604020202020204" pitchFamily="34" charset="0"/>
+              <a:buChar char="•"/>
+            </a:pPr>
+            <a:r>
+              <a:rPr lang="en-US" sz="1400" dirty="0" smtClean="0"/>
+              <a:t>The </a:t>
+            </a:r>
+            <a:r>
+              <a:rPr lang="en-US" sz="1400" b="1" u="sng" dirty="0" smtClean="0">
+                <a:solidFill>
+                  <a:srgbClr val="FF0000"/>
+                </a:solidFill>
+              </a:rPr>
+              <a:t>Parameter</a:t>
+            </a:r>
+            <a:r>
+              <a:rPr lang="en-US" sz="1400" dirty="0" smtClean="0"/>
+              <a:t> is a number </a:t>
+            </a:r>
+            <a:r>
+              <a:rPr lang="en-US" sz="1400" dirty="0"/>
+              <a:t>that </a:t>
+            </a:r>
+            <a:r>
+              <a:rPr lang="en-US" sz="1400" dirty="0" smtClean="0"/>
+              <a:t>summarizes </a:t>
+            </a:r>
+            <a:r>
+              <a:rPr lang="en-US" sz="1400" dirty="0"/>
+              <a:t>data for an entire population.  </a:t>
+            </a:r>
+          </a:p>
+          <a:p>
+            <a:endParaRPr lang="en-US" dirty="0"/>
+          </a:p>
+        </p:txBody>
+      </p:sp>
+      <p:sp>
+        <p:nvSpPr>
+          <p:cNvPr id="13" name="TextBox 12"/>
+          <p:cNvSpPr txBox="1"/>
+          <p:nvPr/>
+        </p:nvSpPr>
+        <p:spPr>
+          <a:xfrm>
+            <a:off x="10038586" y="2802517"/>
+            <a:ext cx="1901681" cy="2308324"/>
+          </a:xfrm>
+          <a:prstGeom prst="rect">
+            <a:avLst/>
+          </a:prstGeom>
+          <a:noFill/>
+        </p:spPr>
+        <p:txBody>
+          <a:bodyPr wrap="square" rtlCol="0">
+            <a:spAutoFit/>
+          </a:bodyPr>
+          <a:lstStyle/>
+          <a:p>
+            <a:pPr marL="285750" indent="-285750">
+              <a:buFont typeface="Arial" panose="020B0604020202020204" pitchFamily="34" charset="0"/>
+              <a:buChar char="•"/>
+            </a:pPr>
+            <a:r>
+              <a:rPr lang="en-US" sz="1400" dirty="0" smtClean="0"/>
+              <a:t>The </a:t>
+            </a:r>
+            <a:r>
+              <a:rPr lang="en-US" sz="1400" b="1" u="sng" dirty="0">
+                <a:solidFill>
+                  <a:srgbClr val="FF0000"/>
+                </a:solidFill>
+              </a:rPr>
+              <a:t>point estimate</a:t>
+            </a:r>
+            <a:r>
+              <a:rPr lang="en-US" sz="1400" dirty="0"/>
+              <a:t> of a population parameter is a single value used to estimate the population parameter.  </a:t>
+            </a:r>
+          </a:p>
+          <a:p>
+            <a:endParaRPr lang="en-US" dirty="0"/>
+          </a:p>
+        </p:txBody>
+      </p:sp>
+      <p:sp>
+        <p:nvSpPr>
+          <p:cNvPr id="14" name="TextBox 13"/>
+          <p:cNvSpPr txBox="1"/>
+          <p:nvPr/>
+        </p:nvSpPr>
+        <p:spPr>
+          <a:xfrm>
+            <a:off x="10050833" y="4801397"/>
+            <a:ext cx="2024145" cy="1815882"/>
+          </a:xfrm>
+          <a:prstGeom prst="rect">
+            <a:avLst/>
+          </a:prstGeom>
+          <a:noFill/>
+        </p:spPr>
+        <p:txBody>
+          <a:bodyPr wrap="square" rtlCol="0">
+            <a:spAutoFit/>
+          </a:bodyPr>
+          <a:lstStyle/>
+          <a:p>
+            <a:pPr marL="285750" indent="-285750">
+              <a:buFont typeface="Arial" panose="020B0604020202020204" pitchFamily="34" charset="0"/>
+              <a:buChar char="•"/>
+            </a:pPr>
+            <a:r>
+              <a:rPr lang="en-US" sz="1400" dirty="0" smtClean="0"/>
+              <a:t>The </a:t>
+            </a:r>
+            <a:r>
+              <a:rPr lang="en-US" sz="1400" b="1" u="sng" dirty="0" smtClean="0">
+                <a:solidFill>
+                  <a:srgbClr val="FF0000"/>
+                </a:solidFill>
+              </a:rPr>
+              <a:t>Standard error </a:t>
+            </a:r>
+            <a:r>
+              <a:rPr lang="en-US" sz="1400" dirty="0"/>
+              <a:t>measures how far the sample mean of the data is likely to be from the true population mean.</a:t>
+            </a:r>
+            <a:endParaRPr lang="en-US" sz="1400" dirty="0"/>
+          </a:p>
+        </p:txBody>
+      </p:sp>
+      <p:sp>
+        <p:nvSpPr>
+          <p:cNvPr id="15" name="Content Placeholder 2"/>
+          <p:cNvSpPr txBox="1">
+            <a:spLocks/>
+          </p:cNvSpPr>
+          <p:nvPr/>
+        </p:nvSpPr>
+        <p:spPr>
+          <a:xfrm>
+            <a:off x="5672807" y="3448294"/>
+            <a:ext cx="4431091" cy="1662547"/>
+          </a:xfrm>
+          <a:prstGeom prst="rect">
+            <a:avLst/>
+          </a:prstGeom>
+        </p:spPr>
+        <p:txBody>
+          <a:bodyPr vert="horz" lIns="91440" tIns="45720" rIns="91440" bIns="45720" rtlCol="0">
+            <a:normAutofit/>
+          </a:bodyPr>
+          <a:lstStyle>
+            <a:lvl1pPr marL="342900" indent="-342900" algn="l" defTabSz="457200" rtl="0" eaLnBrk="1" latinLnBrk="0" hangingPunct="1">
+              <a:spcBef>
+                <a:spcPts val="1000"/>
+              </a:spcBef>
+              <a:spcAft>
+                <a:spcPts val="0"/>
+              </a:spcAft>
+              <a:buClr>
+                <a:schemeClr val="accent1"/>
+              </a:buClr>
+              <a:buSzPct val="80000"/>
+              <a:buFont typeface="Wingdings 3" charset="2"/>
+              <a:buChar char=""/>
+              <a:defRPr sz="2000" b="0" i="0" kern="1200">
+                <a:solidFill>
+                  <a:schemeClr val="tx1"/>
+                </a:solidFill>
+                <a:latin typeface="+mj-lt"/>
+                <a:ea typeface="+mj-ea"/>
+                <a:cs typeface="+mj-cs"/>
+              </a:defRPr>
+            </a:lvl1pPr>
+            <a:lvl2pPr marL="742950" indent="-285750" algn="l" defTabSz="457200" rtl="0" eaLnBrk="1" latinLnBrk="0" hangingPunct="1">
+              <a:spcBef>
+                <a:spcPts val="1000"/>
+              </a:spcBef>
+              <a:spcAft>
+                <a:spcPts val="0"/>
+              </a:spcAft>
+              <a:buClr>
+                <a:schemeClr val="accent1"/>
+              </a:buClr>
+              <a:buSzPct val="80000"/>
+              <a:buFont typeface="Wingdings 3" charset="2"/>
+              <a:buChar char=""/>
+              <a:defRPr sz="1800" b="0" i="0" kern="1200">
+                <a:solidFill>
+                  <a:schemeClr val="tx1"/>
+                </a:solidFill>
+                <a:latin typeface="+mj-lt"/>
+                <a:ea typeface="+mj-ea"/>
+                <a:cs typeface="+mj-cs"/>
+              </a:defRPr>
+            </a:lvl2pPr>
+            <a:lvl3pPr marL="1143000" indent="-228600" algn="l" defTabSz="457200" rtl="0" eaLnBrk="1" latinLnBrk="0" hangingPunct="1">
+              <a:spcBef>
+                <a:spcPts val="1000"/>
+              </a:spcBef>
+              <a:spcAft>
+                <a:spcPts val="0"/>
+              </a:spcAft>
+              <a:buClr>
+                <a:schemeClr val="accent1"/>
+              </a:buClr>
+              <a:buSzPct val="80000"/>
+              <a:buFont typeface="Wingdings 3" charset="2"/>
+              <a:buChar char=""/>
+              <a:defRPr sz="1600" b="0" i="0" kern="1200">
+                <a:solidFill>
+                  <a:schemeClr val="tx1"/>
+                </a:solidFill>
+                <a:latin typeface="+mj-lt"/>
+                <a:ea typeface="+mj-ea"/>
+                <a:cs typeface="+mj-cs"/>
+              </a:defRPr>
+            </a:lvl3pPr>
+            <a:lvl4pPr marL="1600200" indent="-228600" algn="l" defTabSz="457200" rtl="0" eaLnBrk="1" latinLnBrk="0" hangingPunct="1">
+              <a:spcBef>
+                <a:spcPts val="1000"/>
+              </a:spcBef>
+              <a:spcAft>
+                <a:spcPts val="0"/>
+              </a:spcAft>
+              <a:buClr>
+                <a:schemeClr val="accent1"/>
+              </a:buClr>
+              <a:buSzPct val="80000"/>
+              <a:buFont typeface="Wingdings 3" charset="2"/>
+              <a:buChar char=""/>
+              <a:defRPr sz="1400" b="0" i="0" kern="1200">
+                <a:solidFill>
+                  <a:schemeClr val="tx1"/>
+                </a:solidFill>
+                <a:latin typeface="+mj-lt"/>
+                <a:ea typeface="+mj-ea"/>
+                <a:cs typeface="+mj-cs"/>
+              </a:defRPr>
+            </a:lvl4pPr>
+            <a:lvl5pPr marL="2057400" indent="-228600" algn="l" defTabSz="457200" rtl="0" eaLnBrk="1" latinLnBrk="0" hangingPunct="1">
+              <a:spcBef>
+                <a:spcPts val="1000"/>
+              </a:spcBef>
+              <a:spcAft>
+                <a:spcPts val="0"/>
+              </a:spcAft>
+              <a:buClr>
+                <a:schemeClr val="accent1"/>
+              </a:buClr>
+              <a:buSzPct val="80000"/>
+              <a:buFont typeface="Wingdings 3" charset="2"/>
+              <a:buChar char=""/>
+              <a:defRPr sz="1400" b="0" i="0" kern="1200">
+                <a:solidFill>
+                  <a:schemeClr val="tx1"/>
+                </a:solidFill>
+                <a:latin typeface="+mj-lt"/>
+                <a:ea typeface="+mj-ea"/>
+                <a:cs typeface="+mj-cs"/>
+              </a:defRPr>
+            </a:lvl5pPr>
+            <a:lvl6pPr marL="2514600" indent="-228600" algn="l" defTabSz="457200" rtl="0" eaLnBrk="1" latinLnBrk="0" hangingPunct="1">
+              <a:spcBef>
+                <a:spcPts val="1000"/>
+              </a:spcBef>
+              <a:spcAft>
+                <a:spcPts val="0"/>
+              </a:spcAft>
+              <a:buClr>
+                <a:schemeClr val="accent1"/>
+              </a:buClr>
+              <a:buSzPct val="80000"/>
+              <a:buFont typeface="Wingdings 3" charset="2"/>
+              <a:buChar char=""/>
+              <a:defRPr sz="1400" b="0" i="0" kern="1200">
+                <a:solidFill>
+                  <a:schemeClr val="tx1"/>
+                </a:solidFill>
+                <a:latin typeface="+mj-lt"/>
+                <a:ea typeface="+mj-ea"/>
+                <a:cs typeface="+mj-cs"/>
+              </a:defRPr>
+            </a:lvl6pPr>
+            <a:lvl7pPr marL="2971800" indent="-228600" algn="l" defTabSz="457200" rtl="0" eaLnBrk="1" latinLnBrk="0" hangingPunct="1">
+              <a:spcBef>
+                <a:spcPts val="1000"/>
+              </a:spcBef>
+              <a:spcAft>
+                <a:spcPts val="0"/>
+              </a:spcAft>
+              <a:buClr>
+                <a:schemeClr val="accent1"/>
+              </a:buClr>
+              <a:buSzPct val="80000"/>
+              <a:buFont typeface="Wingdings 3" charset="2"/>
+              <a:buChar char=""/>
+              <a:defRPr sz="1400" b="0" i="0" kern="1200">
+                <a:solidFill>
+                  <a:schemeClr val="tx1"/>
+                </a:solidFill>
+                <a:latin typeface="+mj-lt"/>
+                <a:ea typeface="+mj-ea"/>
+                <a:cs typeface="+mj-cs"/>
+              </a:defRPr>
+            </a:lvl7pPr>
+            <a:lvl8pPr marL="3429000" indent="-228600" algn="l" defTabSz="457200" rtl="0" eaLnBrk="1" latinLnBrk="0" hangingPunct="1">
+              <a:spcBef>
+                <a:spcPts val="1000"/>
+              </a:spcBef>
+              <a:spcAft>
+                <a:spcPts val="0"/>
+              </a:spcAft>
+              <a:buClr>
+                <a:schemeClr val="accent1"/>
+              </a:buClr>
+              <a:buSzPct val="80000"/>
+              <a:buFont typeface="Wingdings 3" charset="2"/>
+              <a:buChar char=""/>
+              <a:defRPr sz="1400" b="0" i="0" kern="1200">
+                <a:solidFill>
+                  <a:schemeClr val="tx1"/>
+                </a:solidFill>
+                <a:latin typeface="+mj-lt"/>
+                <a:ea typeface="+mj-ea"/>
+                <a:cs typeface="+mj-cs"/>
+              </a:defRPr>
+            </a:lvl8pPr>
+            <a:lvl9pPr marL="3886200" indent="-228600" algn="l" defTabSz="457200" rtl="0" eaLnBrk="1" latinLnBrk="0" hangingPunct="1">
+              <a:spcBef>
+                <a:spcPts val="1000"/>
+              </a:spcBef>
+              <a:spcAft>
+                <a:spcPts val="0"/>
+              </a:spcAft>
+              <a:buClr>
+                <a:schemeClr val="accent1"/>
+              </a:buClr>
+              <a:buSzPct val="80000"/>
+              <a:buFont typeface="Wingdings 3" charset="2"/>
+              <a:buChar char=""/>
+              <a:defRPr sz="1400" b="0" i="0" kern="1200">
+                <a:solidFill>
+                  <a:schemeClr val="tx1"/>
+                </a:solidFill>
+                <a:latin typeface="+mj-lt"/>
+                <a:ea typeface="+mj-ea"/>
+                <a:cs typeface="+mj-cs"/>
+              </a:defRPr>
+            </a:lvl9pPr>
+          </a:lstStyle>
+          <a:p>
+            <a:r>
+              <a:rPr lang="en-US" dirty="0" smtClean="0"/>
+              <a:t>F) The historical rate of defects is 10%.  Should the engineer be surprised by the observed rate of defects during the current week?</a:t>
+            </a:r>
+            <a:endParaRPr lang="en-US" dirty="0"/>
+          </a:p>
+        </p:txBody>
+      </p:sp>
+      <p:sp>
+        <p:nvSpPr>
+          <p:cNvPr id="16" name="Content Placeholder 2"/>
+          <p:cNvSpPr txBox="1">
+            <a:spLocks/>
+          </p:cNvSpPr>
+          <p:nvPr/>
+        </p:nvSpPr>
+        <p:spPr>
+          <a:xfrm>
+            <a:off x="5802767" y="5102675"/>
+            <a:ext cx="4235819" cy="1584466"/>
+          </a:xfrm>
+          <a:prstGeom prst="rect">
+            <a:avLst/>
+          </a:prstGeom>
+        </p:spPr>
+        <p:txBody>
+          <a:bodyPr vert="horz" lIns="91440" tIns="45720" rIns="91440" bIns="45720" rtlCol="0">
+            <a:normAutofit/>
+          </a:bodyPr>
+          <a:lstStyle>
+            <a:lvl1pPr marL="342900" indent="-342900" algn="l" defTabSz="457200" rtl="0" eaLnBrk="1" latinLnBrk="0" hangingPunct="1">
+              <a:spcBef>
+                <a:spcPts val="1000"/>
+              </a:spcBef>
+              <a:spcAft>
+                <a:spcPts val="0"/>
+              </a:spcAft>
+              <a:buClr>
+                <a:schemeClr val="accent1"/>
+              </a:buClr>
+              <a:buSzPct val="80000"/>
+              <a:buFont typeface="Wingdings 3" charset="2"/>
+              <a:buChar char=""/>
+              <a:defRPr sz="2000" b="0" i="0" kern="1200">
+                <a:solidFill>
+                  <a:schemeClr val="tx1"/>
+                </a:solidFill>
+                <a:latin typeface="+mj-lt"/>
+                <a:ea typeface="+mj-ea"/>
+                <a:cs typeface="+mj-cs"/>
+              </a:defRPr>
+            </a:lvl1pPr>
+            <a:lvl2pPr marL="742950" indent="-285750" algn="l" defTabSz="457200" rtl="0" eaLnBrk="1" latinLnBrk="0" hangingPunct="1">
+              <a:spcBef>
+                <a:spcPts val="1000"/>
+              </a:spcBef>
+              <a:spcAft>
+                <a:spcPts val="0"/>
+              </a:spcAft>
+              <a:buClr>
+                <a:schemeClr val="accent1"/>
+              </a:buClr>
+              <a:buSzPct val="80000"/>
+              <a:buFont typeface="Wingdings 3" charset="2"/>
+              <a:buChar char=""/>
+              <a:defRPr sz="1800" b="0" i="0" kern="1200">
+                <a:solidFill>
+                  <a:schemeClr val="tx1"/>
+                </a:solidFill>
+                <a:latin typeface="+mj-lt"/>
+                <a:ea typeface="+mj-ea"/>
+                <a:cs typeface="+mj-cs"/>
+              </a:defRPr>
+            </a:lvl2pPr>
+            <a:lvl3pPr marL="1143000" indent="-228600" algn="l" defTabSz="457200" rtl="0" eaLnBrk="1" latinLnBrk="0" hangingPunct="1">
+              <a:spcBef>
+                <a:spcPts val="1000"/>
+              </a:spcBef>
+              <a:spcAft>
+                <a:spcPts val="0"/>
+              </a:spcAft>
+              <a:buClr>
+                <a:schemeClr val="accent1"/>
+              </a:buClr>
+              <a:buSzPct val="80000"/>
+              <a:buFont typeface="Wingdings 3" charset="2"/>
+              <a:buChar char=""/>
+              <a:defRPr sz="1600" b="0" i="0" kern="1200">
+                <a:solidFill>
+                  <a:schemeClr val="tx1"/>
+                </a:solidFill>
+                <a:latin typeface="+mj-lt"/>
+                <a:ea typeface="+mj-ea"/>
+                <a:cs typeface="+mj-cs"/>
+              </a:defRPr>
+            </a:lvl3pPr>
+            <a:lvl4pPr marL="1600200" indent="-228600" algn="l" defTabSz="457200" rtl="0" eaLnBrk="1" latinLnBrk="0" hangingPunct="1">
+              <a:spcBef>
+                <a:spcPts val="1000"/>
+              </a:spcBef>
+              <a:spcAft>
+                <a:spcPts val="0"/>
+              </a:spcAft>
+              <a:buClr>
+                <a:schemeClr val="accent1"/>
+              </a:buClr>
+              <a:buSzPct val="80000"/>
+              <a:buFont typeface="Wingdings 3" charset="2"/>
+              <a:buChar char=""/>
+              <a:defRPr sz="1400" b="0" i="0" kern="1200">
+                <a:solidFill>
+                  <a:schemeClr val="tx1"/>
+                </a:solidFill>
+                <a:latin typeface="+mj-lt"/>
+                <a:ea typeface="+mj-ea"/>
+                <a:cs typeface="+mj-cs"/>
+              </a:defRPr>
+            </a:lvl4pPr>
+            <a:lvl5pPr marL="2057400" indent="-228600" algn="l" defTabSz="457200" rtl="0" eaLnBrk="1" latinLnBrk="0" hangingPunct="1">
+              <a:spcBef>
+                <a:spcPts val="1000"/>
+              </a:spcBef>
+              <a:spcAft>
+                <a:spcPts val="0"/>
+              </a:spcAft>
+              <a:buClr>
+                <a:schemeClr val="accent1"/>
+              </a:buClr>
+              <a:buSzPct val="80000"/>
+              <a:buFont typeface="Wingdings 3" charset="2"/>
+              <a:buChar char=""/>
+              <a:defRPr sz="1400" b="0" i="0" kern="1200">
+                <a:solidFill>
+                  <a:schemeClr val="tx1"/>
+                </a:solidFill>
+                <a:latin typeface="+mj-lt"/>
+                <a:ea typeface="+mj-ea"/>
+                <a:cs typeface="+mj-cs"/>
+              </a:defRPr>
+            </a:lvl5pPr>
+            <a:lvl6pPr marL="2514600" indent="-228600" algn="l" defTabSz="457200" rtl="0" eaLnBrk="1" latinLnBrk="0" hangingPunct="1">
+              <a:spcBef>
+                <a:spcPts val="1000"/>
+              </a:spcBef>
+              <a:spcAft>
+                <a:spcPts val="0"/>
+              </a:spcAft>
+              <a:buClr>
+                <a:schemeClr val="accent1"/>
+              </a:buClr>
+              <a:buSzPct val="80000"/>
+              <a:buFont typeface="Wingdings 3" charset="2"/>
+              <a:buChar char=""/>
+              <a:defRPr sz="1400" b="0" i="0" kern="1200">
+                <a:solidFill>
+                  <a:schemeClr val="tx1"/>
+                </a:solidFill>
+                <a:latin typeface="+mj-lt"/>
+                <a:ea typeface="+mj-ea"/>
+                <a:cs typeface="+mj-cs"/>
+              </a:defRPr>
+            </a:lvl6pPr>
+            <a:lvl7pPr marL="2971800" indent="-228600" algn="l" defTabSz="457200" rtl="0" eaLnBrk="1" latinLnBrk="0" hangingPunct="1">
+              <a:spcBef>
+                <a:spcPts val="1000"/>
+              </a:spcBef>
+              <a:spcAft>
+                <a:spcPts val="0"/>
+              </a:spcAft>
+              <a:buClr>
+                <a:schemeClr val="accent1"/>
+              </a:buClr>
+              <a:buSzPct val="80000"/>
+              <a:buFont typeface="Wingdings 3" charset="2"/>
+              <a:buChar char=""/>
+              <a:defRPr sz="1400" b="0" i="0" kern="1200">
+                <a:solidFill>
+                  <a:schemeClr val="tx1"/>
+                </a:solidFill>
+                <a:latin typeface="+mj-lt"/>
+                <a:ea typeface="+mj-ea"/>
+                <a:cs typeface="+mj-cs"/>
+              </a:defRPr>
+            </a:lvl7pPr>
+            <a:lvl8pPr marL="3429000" indent="-228600" algn="l" defTabSz="457200" rtl="0" eaLnBrk="1" latinLnBrk="0" hangingPunct="1">
+              <a:spcBef>
+                <a:spcPts val="1000"/>
+              </a:spcBef>
+              <a:spcAft>
+                <a:spcPts val="0"/>
+              </a:spcAft>
+              <a:buClr>
+                <a:schemeClr val="accent1"/>
+              </a:buClr>
+              <a:buSzPct val="80000"/>
+              <a:buFont typeface="Wingdings 3" charset="2"/>
+              <a:buChar char=""/>
+              <a:defRPr sz="1400" b="0" i="0" kern="1200">
+                <a:solidFill>
+                  <a:schemeClr val="tx1"/>
+                </a:solidFill>
+                <a:latin typeface="+mj-lt"/>
+                <a:ea typeface="+mj-ea"/>
+                <a:cs typeface="+mj-cs"/>
+              </a:defRPr>
+            </a:lvl8pPr>
+            <a:lvl9pPr marL="3886200" indent="-228600" algn="l" defTabSz="457200" rtl="0" eaLnBrk="1" latinLnBrk="0" hangingPunct="1">
+              <a:spcBef>
+                <a:spcPts val="1000"/>
+              </a:spcBef>
+              <a:spcAft>
+                <a:spcPts val="0"/>
+              </a:spcAft>
+              <a:buClr>
+                <a:schemeClr val="accent1"/>
+              </a:buClr>
+              <a:buSzPct val="80000"/>
+              <a:buFont typeface="Wingdings 3" charset="2"/>
+              <a:buChar char=""/>
+              <a:defRPr sz="1400" b="0" i="0" kern="1200">
+                <a:solidFill>
+                  <a:schemeClr val="tx1"/>
+                </a:solidFill>
+                <a:latin typeface="+mj-lt"/>
+                <a:ea typeface="+mj-ea"/>
+                <a:cs typeface="+mj-cs"/>
+              </a:defRPr>
+            </a:lvl9pPr>
+          </a:lstStyle>
+          <a:p>
+            <a:pPr lvl="1"/>
+            <a:r>
+              <a:rPr lang="en-US" dirty="0" smtClean="0"/>
+              <a:t>The </a:t>
+            </a:r>
+            <a:r>
+              <a:rPr lang="en-US" dirty="0"/>
+              <a:t>engineer has no reason to be surprised by the defects of the week.  </a:t>
+            </a:r>
+            <a:r>
+              <a:rPr lang="en-US" dirty="0" smtClean="0"/>
+              <a:t>The additional 2.7% is not larger than one Standard Deviation. </a:t>
+            </a:r>
+            <a:endParaRPr lang="en-US" dirty="0"/>
+          </a:p>
+        </p:txBody>
+      </p:sp>
     </p:spTree>
     <p:extLst>
       <p:ext uri="{BB962C8B-B14F-4D97-AF65-F5344CB8AC3E}">
@@ -8127,7 +9326,7 @@
                                           </p:stCondLst>
                                         </p:cTn>
                                         <p:tgtEl>
-                                          <p:spTgt spid="7"/>
+                                          <p:spTgt spid="8"/>
                                         </p:tgtEl>
                                         <p:attrNameLst>
                                           <p:attrName>style.visibility</p:attrName>
@@ -8141,7 +9340,7 @@
                                       <p:cBhvr>
                                         <p:cTn id="20" dur="500"/>
                                         <p:tgtEl>
-                                          <p:spTgt spid="7"/>
+                                          <p:spTgt spid="8"/>
                                         </p:tgtEl>
                                       </p:cBhvr>
                                     </p:animEffect>
@@ -8167,7 +9366,7 @@
                             </p:stCondLst>
                             <p:childTnLst>
                               <p:par>
-                                <p:cTn id="23" presetID="1" presetClass="entr" presetSubtype="0" fill="hold" grpId="0" nodeType="clickEffect">
+                                <p:cTn id="23" presetID="10" presetClass="entr" presetSubtype="0" fill="hold" grpId="0" nodeType="clickEffect">
                                   <p:stCondLst>
                                     <p:cond delay="0"/>
                                   </p:stCondLst>
@@ -8175,6 +9374,59 @@
                                     <p:set>
                                       <p:cBhvr>
                                         <p:cTn id="24" dur="1" fill="hold">
+                                          <p:stCondLst>
+                                            <p:cond delay="0"/>
+                                          </p:stCondLst>
+                                        </p:cTn>
+                                        <p:tgtEl>
+                                          <p:spTgt spid="7"/>
+                                        </p:tgtEl>
+                                        <p:attrNameLst>
+                                          <p:attrName>style.visibility</p:attrName>
+                                        </p:attrNameLst>
+                                      </p:cBhvr>
+                                      <p:to>
+                                        <p:strVal val="visible"/>
+                                      </p:to>
+                                    </p:set>
+                                    <p:animEffect transition="in" filter="fade">
+                                      <p:cBhvr>
+                                        <p:cTn id="25" dur="500"/>
+                                        <p:tgtEl>
+                                          <p:spTgt spid="7"/>
+                                        </p:tgtEl>
+                                      </p:cBhvr>
+                                    </p:animEffect>
+                                  </p:childTnLst>
+                                </p:cTn>
+                              </p:par>
+                            </p:childTnLst>
+                          </p:cTn>
+                        </p:par>
+                      </p:childTnLst>
+                    </p:cTn>
+                  </p:par>
+                  <p:par>
+                    <p:cTn id="26" fill="hold">
+                      <p:stCondLst>
+                        <p:cond delay="indefinite"/>
+                      </p:stCondLst>
+                      <p:childTnLst>
+                        <p:par>
+                          <p:cTn id="27" fill="hold">
+                            <p:stCondLst>
+                              <p:cond delay="0"/>
+                            </p:stCondLst>
+                            <p:childTnLst>
+                              <p:par>
+                                <p:cTn id="28" presetID="1" presetClass="entr" presetSubtype="0" fill="hold" grpId="0" nodeType="clickEffect">
+                                  <p:stCondLst>
+                                    <p:cond delay="0"/>
+                                  </p:stCondLst>
+                                  <p:childTnLst>
+                                    <p:set>
+                                      <p:cBhvr>
+                                        <p:cTn id="29" dur="1" fill="hold">
                                           <p:stCondLst>
                                             <p:cond delay="0"/>
                                           </p:stCondLst>
@@ -8200,26 +9452,79 @@
                     </p:cTn>
                   </p:par>
                   <p:par>
-                    <p:cTn id="25" fill="hold">
+                    <p:cTn id="30" fill="hold">
                       <p:stCondLst>
                         <p:cond delay="indefinite"/>
                       </p:stCondLst>
                       <p:childTnLst>
                         <p:par>
-                          <p:cTn id="26" fill="hold">
+                          <p:cTn id="31" fill="hold">
                             <p:stCondLst>
                               <p:cond delay="0"/>
                             </p:stCondLst>
                             <p:childTnLst>
                               <p:par>
-                                <p:cTn id="27" presetID="10" presetClass="entr" presetSubtype="0" fill="hold" grpId="0" nodeType="clickEffect">
+                                <p:cTn id="32" presetID="10" presetClass="entr" presetSubtype="0" fill="hold" grpId="0" nodeType="clickEffect">
                                   <p:stCondLst>
                                     <p:cond delay="0"/>
                                   </p:stCondLst>
                                   <p:childTnLst>
                                     <p:set>
                                       <p:cBhvr>
-                                        <p:cTn id="28" dur="1" fill="hold">
+                                        <p:cTn id="33" dur="1" fill="hold">
+                                          <p:stCondLst>
+                                            <p:cond delay="0"/>
+                                          </p:stCondLst>
+                                        </p:cTn>
+                                        <p:tgtEl>
+                                          <p:spTgt spid="13"/>
+                                        </p:tgtEl>
+                                        <p:attrNameLst>
+                                          <p:attrName>style.visibility</p:attrName>
+                                        </p:attrNameLst>
+                                      </p:cBhvr>
+                                      <p:to>
+                                        <p:strVal val="visible"/>
+                                      </p:to>
+                                    </p:set>
+                                    <p:animEffect transition="in" filter="fade">
+                                      <p:cBhvr>
+                                        <p:cTn id="34" dur="500"/>
+                                        <p:tgtEl>
+                                          <p:spTgt spid="13"/>
+                                        </p:tgtEl>
+                                      </p:cBhvr>
+                                    </p:animEffect>
+                                  </p:childTnLst>
+                                </p:cTn>
+                              </p:par>
+                            </p:childTnLst>
+                          </p:cTn>
+                        </p:par>
+                      </p:childTnLst>
+                    </p:cTn>
+                  </p:par>
+                  <p:par>
+                    <p:cTn id="35" fill="hold">
+                      <p:stCondLst>
+                        <p:cond delay="indefinite"/>
+                      </p:stCondLst>
+                      <p:childTnLst>
+                        <p:par>
+                          <p:cTn id="36" fill="hold">
+                            <p:stCondLst>
+                              <p:cond delay="0"/>
+                            </p:stCondLst>
+                            <p:childTnLst>
+                              <p:par>
+                                <p:cTn id="37" presetID="10" presetClass="entr" presetSubtype="0" fill="hold" grpId="0" nodeType="clickEffect">
+                                  <p:stCondLst>
+                                    <p:cond delay="0"/>
+                                  </p:stCondLst>
+                                  <p:childTnLst>
+                                    <p:set>
+                                      <p:cBhvr>
+                                        <p:cTn id="38" dur="1" fill="hold">
                                           <p:stCondLst>
                                             <p:cond delay="0"/>
                                           </p:stCondLst>
@@ -8237,7 +9542,7 @@
                                     </p:set>
                                     <p:animEffect transition="in" filter="fade">
                                       <p:cBhvr>
-                                        <p:cTn id="29" dur="500"/>
+                                        <p:cTn id="39" dur="500"/>
                                         <p:tgtEl>
                                           <p:spTgt spid="10"/>
                                         </p:tgtEl>
@@ -8253,26 +9558,26 @@
                     </p:cTn>
                   </p:par>
                   <p:par>
-                    <p:cTn id="30" fill="hold">
+                    <p:cTn id="40" fill="hold">
                       <p:stCondLst>
                         <p:cond delay="indefinite"/>
                       </p:stCondLst>
                       <p:childTnLst>
                         <p:par>
-                          <p:cTn id="31" fill="hold">
+                          <p:cTn id="41" fill="hold">
                             <p:stCondLst>
                               <p:cond delay="0"/>
                             </p:stCondLst>
                             <p:childTnLst>
                               <p:par>
-                                <p:cTn id="32" presetID="1" presetClass="entr" presetSubtype="0" fill="hold" grpId="0" nodeType="clickEffect">
+                                <p:cTn id="42" presetID="1" presetClass="entr" presetSubtype="0" fill="hold" grpId="0" nodeType="clickEffect">
                                   <p:stCondLst>
                                     <p:cond delay="0"/>
                                   </p:stCondLst>
                                   <p:childTnLst>
                                     <p:set>
                                       <p:cBhvr>
-                                        <p:cTn id="33" dur="1" fill="hold">
+                                        <p:cTn id="43" dur="1" fill="hold">
                                           <p:stCondLst>
                                             <p:cond delay="0"/>
                                           </p:stCondLst>
@@ -8298,26 +9603,26 @@
                     </p:cTn>
                   </p:par>
                   <p:par>
-                    <p:cTn id="34" fill="hold">
+                    <p:cTn id="44" fill="hold">
                       <p:stCondLst>
                         <p:cond delay="indefinite"/>
                       </p:stCondLst>
                       <p:childTnLst>
                         <p:par>
-                          <p:cTn id="35" fill="hold">
+                          <p:cTn id="45" fill="hold">
                             <p:stCondLst>
                               <p:cond delay="0"/>
                             </p:stCondLst>
                             <p:childTnLst>
                               <p:par>
-                                <p:cTn id="36" presetID="10" presetClass="entr" presetSubtype="0" fill="hold" grpId="0" nodeType="clickEffect">
+                                <p:cTn id="46" presetID="10" presetClass="entr" presetSubtype="0" fill="hold" grpId="0" nodeType="clickEffect">
                                   <p:stCondLst>
                                     <p:cond delay="0"/>
                                   </p:stCondLst>
                                   <p:childTnLst>
                                     <p:set>
                                       <p:cBhvr>
-                                        <p:cTn id="37" dur="1" fill="hold">
+                                        <p:cTn id="47" dur="1" fill="hold">
                                           <p:stCondLst>
                                             <p:cond delay="0"/>
                                           </p:stCondLst>
@@ -8335,9 +9640,164 @@
                                     </p:set>
                                     <p:animEffect transition="in" filter="fade">
                                       <p:cBhvr>
-                                        <p:cTn id="38" dur="500"/>
+                                        <p:cTn id="48" dur="500"/>
                                         <p:tgtEl>
                                           <p:spTgt spid="12"/>
+                                        </p:tgtEl>
+                                      </p:cBhvr>
+                                    </p:animEffect>
+                                  </p:childTnLst>
+                                </p:cTn>
+                              </p:par>
+                            </p:childTnLst>
+                          </p:cTn>
+                        </p:par>
+                      </p:childTnLst>
+                    </p:cTn>
+                  </p:par>
+                  <p:par>
+                    <p:cTn id="49" fill="hold">
+                      <p:stCondLst>
+                        <p:cond delay="indefinite"/>
+                      </p:stCondLst>
+                      <p:childTnLst>
+                        <p:par>
+                          <p:cTn id="50" fill="hold">
+                            <p:stCondLst>
+                              <p:cond delay="0"/>
+                            </p:stCondLst>
+                            <p:childTnLst>
+                              <p:par>
+                                <p:cTn id="51" presetID="10" presetClass="entr" presetSubtype="0" fill="hold" grpId="0" nodeType="clickEffect">
+                                  <p:stCondLst>
+                                    <p:cond delay="0"/>
+                                  </p:stCondLst>
+                                  <p:childTnLst>
+                                    <p:set>
+                                      <p:cBhvr>
+                                        <p:cTn id="52" dur="1" fill="hold">
+                                          <p:stCondLst>
+                                            <p:cond delay="0"/>
+                                          </p:stCondLst>
+                                        </p:cTn>
+                                        <p:tgtEl>
+                                          <p:spTgt spid="14"/>
+                                        </p:tgtEl>
+                                        <p:attrNameLst>
+                                          <p:attrName>style.visibility</p:attrName>
+                                        </p:attrNameLst>
+                                      </p:cBhvr>
+                                      <p:to>
+                                        <p:strVal val="visible"/>
+                                      </p:to>
+                                    </p:set>
+                                    <p:animEffect transition="in" filter="fade">
+                                      <p:cBhvr>
+                                        <p:cTn id="53" dur="500"/>
+                                        <p:tgtEl>
+                                          <p:spTgt spid="14"/>
+                                        </p:tgtEl>
+                                      </p:cBhvr>
+                                    </p:animEffect>
+                                  </p:childTnLst>
+                                </p:cTn>
+                              </p:par>
+                            </p:childTnLst>
+                          </p:cTn>
+                        </p:par>
+                      </p:childTnLst>
+                    </p:cTn>
+                  </p:par>
+                  <p:par>
+                    <p:cTn id="54" fill="hold">
+                      <p:stCondLst>
+                        <p:cond delay="indefinite"/>
+                      </p:stCondLst>
+                      <p:childTnLst>
+                        <p:par>
+                          <p:cTn id="55" fill="hold">
+                            <p:stCondLst>
+                              <p:cond delay="0"/>
+                            </p:stCondLst>
+                            <p:childTnLst>
+                              <p:par>
+                                <p:cTn id="56" presetID="1" presetClass="entr" presetSubtype="0" fill="hold" grpId="0" nodeType="clickEffect">
+                                  <p:stCondLst>
+                                    <p:cond delay="0"/>
+                                  </p:stCondLst>
+                                  <p:childTnLst>
+                                    <p:set>
+                                      <p:cBhvr>
+                                        <p:cTn id="57" dur="1" fill="hold">
+                                          <p:stCondLst>
+                                            <p:cond delay="0"/>
+                                          </p:stCondLst>
+                                        </p:cTn>
+                                        <p:tgtEl>
+                                          <p:spTgt spid="15">
+                                            <p:txEl>
+                                              <p:pRg st="0" end="0"/>
+                                            </p:txEl>
+                                          </p:spTgt>
+                                        </p:tgtEl>
+                                        <p:attrNameLst>
+                                          <p:attrName>style.visibility</p:attrName>
+                                        </p:attrNameLst>
+                                      </p:cBhvr>
+                                      <p:to>
+                                        <p:strVal val="visible"/>
+                                      </p:to>
+                                    </p:set>
+                                  </p:childTnLst>
+                                </p:cTn>
+                              </p:par>
+                            </p:childTnLst>
+                          </p:cTn>
+                        </p:par>
+                      </p:childTnLst>
+                    </p:cTn>
+                  </p:par>
+                  <p:par>
+                    <p:cTn id="58" fill="hold">
+                      <p:stCondLst>
+                        <p:cond delay="indefinite"/>
+                      </p:stCondLst>
+                      <p:childTnLst>
+                        <p:par>
+                          <p:cTn id="59" fill="hold">
+                            <p:stCondLst>
+                              <p:cond delay="0"/>
+                            </p:stCondLst>
+                            <p:childTnLst>
+                              <p:par>
+                                <p:cTn id="60" presetID="10" presetClass="entr" presetSubtype="0" fill="hold" grpId="0" nodeType="clickEffect">
+                                  <p:stCondLst>
+                                    <p:cond delay="0"/>
+                                  </p:stCondLst>
+                                  <p:childTnLst>
+                                    <p:set>
+                                      <p:cBhvr>
+                                        <p:cTn id="61" dur="1" fill="hold">
+                                          <p:stCondLst>
+                                            <p:cond delay="0"/>
+                                          </p:stCondLst>
+                                        </p:cTn>
+                                        <p:tgtEl>
+                                          <p:spTgt spid="16"/>
+                                        </p:tgtEl>
+                                        <p:attrNameLst>
+                                          <p:attrName>style.visibility</p:attrName>
+                                        </p:attrNameLst>
+                                      </p:cBhvr>
+                                      <p:to>
+                                        <p:strVal val="visible"/>
+                                      </p:to>
+                                    </p:set>
+                                    <p:animEffect transition="in" filter="fade">
+                                      <p:cBhvr>
+                                        <p:cTn id="62" dur="500"/>
+                                        <p:tgtEl>
+                                          <p:spTgt spid="16"/>
                                         </p:tgtEl>
                                       </p:cBhvr>
                                     </p:animEffect>
@@ -8380,6 +9840,11 @@
       <p:bldP spid="10" grpId="0"/>
       <p:bldP spid="11" grpId="0"/>
       <p:bldP spid="12" grpId="0"/>
+      <p:bldP spid="8" grpId="0"/>
+      <p:bldP spid="13" grpId="0"/>
+      <p:bldP spid="14" grpId="0"/>
+      <p:bldP spid="15" grpId="0" build="p"/>
+      <p:bldP spid="16" grpId="0"/>
     </p:bldLst>
   </p:timing>
 </p:sld>
@@ -8432,62 +9897,16 @@
       </p:sp>
       <p:sp>
         <p:nvSpPr>
-          <p:cNvPr id="5" name="Content Placeholder 2"/>
-          <p:cNvSpPr>
-            <a:spLocks noGrp="1"/>
-          </p:cNvSpPr>
-          <p:nvPr>
-            <p:ph idx="1"/>
-          </p:nvPr>
+          <p:cNvPr id="7" name="Content Placeholder 2"/>
+          <p:cNvSpPr txBox="1">
+            <a:spLocks/>
+          </p:cNvSpPr>
+          <p:nvPr/>
         </p:nvSpPr>
         <p:spPr>
           <a:xfrm>
-            <a:off x="646111" y="1163010"/>
-            <a:ext cx="3093132" cy="2502753"/>
-          </a:xfrm>
-        </p:spPr>
-        <p:txBody>
-          <a:bodyPr>
-            <a:normAutofit/>
-          </a:bodyPr>
-          <a:lstStyle/>
-          <a:p>
-            <a:r>
-              <a:rPr lang="en-US" dirty="0"/>
-              <a:t>F</a:t>
-            </a:r>
-            <a:r>
-              <a:rPr lang="en-US" dirty="0" smtClean="0"/>
-              <a:t>) </a:t>
-            </a:r>
-            <a:r>
-              <a:rPr lang="en-US" dirty="0"/>
-              <a:t>The </a:t>
-            </a:r>
-            <a:r>
-              <a:rPr lang="en-US" dirty="0" smtClean="0"/>
-              <a:t>historical </a:t>
-            </a:r>
-            <a:r>
-              <a:rPr lang="en-US" dirty="0"/>
-              <a:t>rate of defects is 10%.  Should the engineer be surprised by the observed rate of defects during the current week?</a:t>
-            </a:r>
-            <a:endParaRPr lang="en-US" dirty="0"/>
-          </a:p>
-        </p:txBody>
-      </p:sp>
-      <p:sp>
-        <p:nvSpPr>
-          <p:cNvPr id="6" name="Content Placeholder 2"/>
-          <p:cNvSpPr txBox="1">
-            <a:spLocks/>
-          </p:cNvSpPr>
-          <p:nvPr/>
-        </p:nvSpPr>
-        <p:spPr>
-          <a:xfrm>
-            <a:off x="646111" y="3751088"/>
-            <a:ext cx="3093132" cy="2886476"/>
+            <a:off x="646111" y="1069522"/>
+            <a:ext cx="4365778" cy="2380290"/>
           </a:xfrm>
           <a:prstGeom prst="rect">
             <a:avLst/>
@@ -8700,244 +10119,6 @@
           <a:p>
             <a:r>
               <a:rPr lang="en-US" dirty="0" smtClean="0"/>
-              <a:t>The </a:t>
-            </a:r>
-            <a:r>
-              <a:rPr lang="en-US" dirty="0"/>
-              <a:t>engineer has no reason to be surprised by the defects of the week.  </a:t>
-            </a:r>
-            <a:r>
-              <a:rPr lang="en-US" dirty="0" smtClean="0"/>
-              <a:t>The additional 2.7% is not larger than one Standard Deviation. </a:t>
-            </a:r>
-            <a:endParaRPr lang="en-US" dirty="0"/>
-          </a:p>
-        </p:txBody>
-      </p:sp>
-      <p:sp>
-        <p:nvSpPr>
-          <p:cNvPr id="7" name="Content Placeholder 2"/>
-          <p:cNvSpPr txBox="1">
-            <a:spLocks/>
-          </p:cNvSpPr>
-          <p:nvPr/>
-        </p:nvSpPr>
-        <p:spPr>
-          <a:xfrm>
-            <a:off x="4400550" y="1163010"/>
-            <a:ext cx="4365778" cy="2380290"/>
-          </a:xfrm>
-          <a:prstGeom prst="rect">
-            <a:avLst/>
-          </a:prstGeom>
-        </p:spPr>
-        <p:txBody>
-          <a:bodyPr vert="horz" lIns="91440" tIns="45720" rIns="91440" bIns="45720" rtlCol="0">
-            <a:normAutofit/>
-          </a:bodyPr>
-          <a:lstStyle>
-            <a:lvl1pPr marL="342900" indent="-342900" algn="l" defTabSz="457200" rtl="0" eaLnBrk="1" latinLnBrk="0" hangingPunct="1">
-              <a:spcBef>
-                <a:spcPts val="1000"/>
-              </a:spcBef>
-              <a:spcAft>
-                <a:spcPts val="0"/>
-              </a:spcAft>
-              <a:buClr>
-                <a:schemeClr val="accent1"/>
-              </a:buClr>
-              <a:buSzPct val="80000"/>
-              <a:buFont typeface="Wingdings 3" charset="2"/>
-              <a:buChar char=""/>
-              <a:defRPr sz="2000" b="0" i="0" kern="1200">
-                <a:solidFill>
-                  <a:schemeClr val="tx1"/>
-                </a:solidFill>
-                <a:latin typeface="+mj-lt"/>
-                <a:ea typeface="+mj-ea"/>
-                <a:cs typeface="+mj-cs"/>
-              </a:defRPr>
-            </a:lvl1pPr>
-            <a:lvl2pPr marL="742950" indent="-285750" algn="l" defTabSz="457200" rtl="0" eaLnBrk="1" latinLnBrk="0" hangingPunct="1">
-              <a:spcBef>
-                <a:spcPts val="1000"/>
-              </a:spcBef>
-              <a:spcAft>
-                <a:spcPts val="0"/>
-              </a:spcAft>
-              <a:buClr>
-                <a:schemeClr val="accent1"/>
-              </a:buClr>
-              <a:buSzPct val="80000"/>
-              <a:buFont typeface="Wingdings 3" charset="2"/>
-              <a:buChar char=""/>
-              <a:defRPr sz="1800" b="0" i="0" kern="1200">
-                <a:solidFill>
-                  <a:schemeClr val="tx1"/>
-                </a:solidFill>
-                <a:latin typeface="+mj-lt"/>
-                <a:ea typeface="+mj-ea"/>
-                <a:cs typeface="+mj-cs"/>
-              </a:defRPr>
-            </a:lvl2pPr>
-            <a:lvl3pPr marL="1143000" indent="-228600" algn="l" defTabSz="457200" rtl="0" eaLnBrk="1" latinLnBrk="0" hangingPunct="1">
-              <a:spcBef>
-                <a:spcPts val="1000"/>
-              </a:spcBef>
-              <a:spcAft>
-                <a:spcPts val="0"/>
-              </a:spcAft>
-              <a:buClr>
-                <a:schemeClr val="accent1"/>
-              </a:buClr>
-              <a:buSzPct val="80000"/>
-              <a:buFont typeface="Wingdings 3" charset="2"/>
-              <a:buChar char=""/>
-              <a:defRPr sz="1600" b="0" i="0" kern="1200">
-                <a:solidFill>
-                  <a:schemeClr val="tx1"/>
-                </a:solidFill>
-                <a:latin typeface="+mj-lt"/>
-                <a:ea typeface="+mj-ea"/>
-                <a:cs typeface="+mj-cs"/>
-              </a:defRPr>
-            </a:lvl3pPr>
-            <a:lvl4pPr marL="1600200" indent="-228600" algn="l" defTabSz="457200" rtl="0" eaLnBrk="1" latinLnBrk="0" hangingPunct="1">
-              <a:spcBef>
-                <a:spcPts val="1000"/>
-              </a:spcBef>
-              <a:spcAft>
-                <a:spcPts val="0"/>
-              </a:spcAft>
-              <a:buClr>
-                <a:schemeClr val="accent1"/>
-              </a:buClr>
-              <a:buSzPct val="80000"/>
-              <a:buFont typeface="Wingdings 3" charset="2"/>
-              <a:buChar char=""/>
-              <a:defRPr sz="1400" b="0" i="0" kern="1200">
-                <a:solidFill>
-                  <a:schemeClr val="tx1"/>
-                </a:solidFill>
-                <a:latin typeface="+mj-lt"/>
-                <a:ea typeface="+mj-ea"/>
-                <a:cs typeface="+mj-cs"/>
-              </a:defRPr>
-            </a:lvl4pPr>
-            <a:lvl5pPr marL="2057400" indent="-228600" algn="l" defTabSz="457200" rtl="0" eaLnBrk="1" latinLnBrk="0" hangingPunct="1">
-              <a:spcBef>
-                <a:spcPts val="1000"/>
-              </a:spcBef>
-              <a:spcAft>
-                <a:spcPts val="0"/>
-              </a:spcAft>
-              <a:buClr>
-                <a:schemeClr val="accent1"/>
-              </a:buClr>
-              <a:buSzPct val="80000"/>
-              <a:buFont typeface="Wingdings 3" charset="2"/>
-              <a:buChar char=""/>
-              <a:defRPr sz="1400" b="0" i="0" kern="1200">
-                <a:solidFill>
-                  <a:schemeClr val="tx1"/>
-                </a:solidFill>
-                <a:latin typeface="+mj-lt"/>
-                <a:ea typeface="+mj-ea"/>
-                <a:cs typeface="+mj-cs"/>
-              </a:defRPr>
-            </a:lvl5pPr>
-            <a:lvl6pPr marL="2514600" indent="-228600" algn="l" defTabSz="457200" rtl="0" eaLnBrk="1" latinLnBrk="0" hangingPunct="1">
-              <a:spcBef>
-                <a:spcPts val="1000"/>
-              </a:spcBef>
-              <a:spcAft>
-                <a:spcPts val="0"/>
-              </a:spcAft>
-              <a:buClr>
-                <a:schemeClr val="accent1"/>
-              </a:buClr>
-              <a:buSzPct val="80000"/>
-              <a:buFont typeface="Wingdings 3" charset="2"/>
-              <a:buChar char=""/>
-              <a:defRPr sz="1400" b="0" i="0" kern="1200">
-                <a:solidFill>
-                  <a:schemeClr val="tx1"/>
-                </a:solidFill>
-                <a:latin typeface="+mj-lt"/>
-                <a:ea typeface="+mj-ea"/>
-                <a:cs typeface="+mj-cs"/>
-              </a:defRPr>
-            </a:lvl6pPr>
-            <a:lvl7pPr marL="2971800" indent="-228600" algn="l" defTabSz="457200" rtl="0" eaLnBrk="1" latinLnBrk="0" hangingPunct="1">
-              <a:spcBef>
-                <a:spcPts val="1000"/>
-              </a:spcBef>
-              <a:spcAft>
-                <a:spcPts val="0"/>
-              </a:spcAft>
-              <a:buClr>
-                <a:schemeClr val="accent1"/>
-              </a:buClr>
-              <a:buSzPct val="80000"/>
-              <a:buFont typeface="Wingdings 3" charset="2"/>
-              <a:buChar char=""/>
-              <a:defRPr sz="1400" b="0" i="0" kern="1200">
-                <a:solidFill>
-                  <a:schemeClr val="tx1"/>
-                </a:solidFill>
-                <a:latin typeface="+mj-lt"/>
-                <a:ea typeface="+mj-ea"/>
-                <a:cs typeface="+mj-cs"/>
-              </a:defRPr>
-            </a:lvl7pPr>
-            <a:lvl8pPr marL="3429000" indent="-228600" algn="l" defTabSz="457200" rtl="0" eaLnBrk="1" latinLnBrk="0" hangingPunct="1">
-              <a:spcBef>
-                <a:spcPts val="1000"/>
-              </a:spcBef>
-              <a:spcAft>
-                <a:spcPts val="0"/>
-              </a:spcAft>
-              <a:buClr>
-                <a:schemeClr val="accent1"/>
-              </a:buClr>
-              <a:buSzPct val="80000"/>
-              <a:buFont typeface="Wingdings 3" charset="2"/>
-              <a:buChar char=""/>
-              <a:defRPr sz="1400" b="0" i="0" kern="1200">
-                <a:solidFill>
-                  <a:schemeClr val="tx1"/>
-                </a:solidFill>
-                <a:latin typeface="+mj-lt"/>
-                <a:ea typeface="+mj-ea"/>
-                <a:cs typeface="+mj-cs"/>
-              </a:defRPr>
-            </a:lvl8pPr>
-            <a:lvl9pPr marL="3886200" indent="-228600" algn="l" defTabSz="457200" rtl="0" eaLnBrk="1" latinLnBrk="0" hangingPunct="1">
-              <a:spcBef>
-                <a:spcPts val="1000"/>
-              </a:spcBef>
-              <a:spcAft>
-                <a:spcPts val="0"/>
-              </a:spcAft>
-              <a:buClr>
-                <a:schemeClr val="accent1"/>
-              </a:buClr>
-              <a:buSzPct val="80000"/>
-              <a:buFont typeface="Wingdings 3" charset="2"/>
-              <a:buChar char=""/>
-              <a:defRPr sz="1400" b="0" i="0" kern="1200">
-                <a:solidFill>
-                  <a:schemeClr val="tx1"/>
-                </a:solidFill>
-                <a:latin typeface="+mj-lt"/>
-                <a:ea typeface="+mj-ea"/>
-                <a:cs typeface="+mj-cs"/>
-              </a:defRPr>
-            </a:lvl9pPr>
-          </a:lstStyle>
-          <a:p>
-            <a:r>
-              <a:rPr lang="en-US" dirty="0" smtClean="0"/>
               <a:t>G) </a:t>
             </a:r>
             <a:r>
@@ -8952,7 +10133,6 @@
               <a:rPr lang="en-US" dirty="0"/>
               <a:t> the value in part (e) using p = 0:1 instead of ^p, does the resulting value change much?</a:t>
             </a:r>
-            <a:endParaRPr lang="en-US" dirty="0"/>
           </a:p>
         </p:txBody>
       </p:sp>
@@ -8968,7 +10148,7 @@
             </p:nvSpPr>
             <p:spPr>
               <a:xfrm>
-                <a:off x="4400550" y="3665763"/>
+                <a:off x="646111" y="3449812"/>
                 <a:ext cx="4365778" cy="2645227"/>
               </a:xfrm>
               <a:prstGeom prst="rect">
@@ -9180,6 +10360,7 @@
                 </a:lvl9pPr>
               </a:lstStyle>
               <a:p>
+                <a:pPr lvl="1"/>
                 <a14:m>
                   <m:oMath xmlns:m="http://schemas.openxmlformats.org/officeDocument/2006/math">
                     <m:rad>
@@ -9342,7 +10523,6 @@
                   <a:rPr lang="en-US" dirty="0"/>
                   <a:t>It does not change the value much as the Standard error has very similar findings and the amount of change would be very small (.1 vs .127 out of 212 values)</a:t>
                 </a:r>
-                <a:endParaRPr lang="en-US" dirty="0"/>
               </a:p>
             </p:txBody>
           </p:sp>
@@ -9358,7 +10538,7 @@
             </p:nvSpPr>
             <p:spPr>
               <a:xfrm>
-                <a:off x="4400550" y="3665763"/>
+                <a:off x="646111" y="3449812"/>
                 <a:ext cx="4365778" cy="2645227"/>
               </a:xfrm>
               <a:prstGeom prst="rect">
@@ -9440,6 +10620,108 @@
           </a:prstGeom>
         </p:spPr>
       </p:pic>
+      <p:sp>
+        <p:nvSpPr>
+          <p:cNvPr id="12" name="Title 1"/>
+          <p:cNvSpPr txBox="1">
+            <a:spLocks/>
+          </p:cNvSpPr>
+          <p:nvPr/>
+        </p:nvSpPr>
+        <p:spPr>
+          <a:xfrm>
+            <a:off x="5699806" y="3048960"/>
+            <a:ext cx="3117624" cy="1400530"/>
+          </a:xfrm>
+          <a:prstGeom prst="rect">
+            <a:avLst/>
+          </a:prstGeom>
+        </p:spPr>
+        <p:txBody>
+          <a:bodyPr vert="horz" lIns="91440" tIns="45720" rIns="91440" bIns="45720" rtlCol="0" anchor="t">
+            <a:noAutofit/>
+          </a:bodyPr>
+          <a:lstStyle>
+            <a:lvl1pPr algn="l" defTabSz="457200" rtl="0" eaLnBrk="1" latinLnBrk="0" hangingPunct="1">
+              <a:spcBef>
+                <a:spcPct val="0"/>
+              </a:spcBef>
+              <a:buNone/>
+              <a:defRPr sz="4200" b="0" i="0" kern="1200">
+                <a:solidFill>
+                  <a:schemeClr val="tx2"/>
+                </a:solidFill>
+                <a:latin typeface="+mj-lt"/>
+                <a:ea typeface="+mj-ea"/>
+                <a:cs typeface="+mj-cs"/>
+              </a:defRPr>
+            </a:lvl1pPr>
+            <a:lvl2pPr eaLnBrk="1" hangingPunct="1">
+              <a:defRPr>
+                <a:solidFill>
+                  <a:schemeClr val="tx2"/>
+                </a:solidFill>
+              </a:defRPr>
+            </a:lvl2pPr>
+            <a:lvl3pPr eaLnBrk="1" hangingPunct="1">
+              <a:defRPr>
+                <a:solidFill>
+                  <a:schemeClr val="tx2"/>
+                </a:solidFill>
+              </a:defRPr>
+            </a:lvl3pPr>
+            <a:lvl4pPr eaLnBrk="1" hangingPunct="1">
+              <a:defRPr>
+                <a:solidFill>
+                  <a:schemeClr val="tx2"/>
+                </a:solidFill>
+              </a:defRPr>
+            </a:lvl4pPr>
+            <a:lvl5pPr eaLnBrk="1" hangingPunct="1">
+              <a:defRPr>
+                <a:solidFill>
+                  <a:schemeClr val="tx2"/>
+                </a:solidFill>
+              </a:defRPr>
+            </a:lvl5pPr>
+            <a:lvl6pPr eaLnBrk="1" hangingPunct="1">
+              <a:defRPr>
+                <a:solidFill>
+                  <a:schemeClr val="tx2"/>
+                </a:solidFill>
+              </a:defRPr>
+            </a:lvl6pPr>
+            <a:lvl7pPr eaLnBrk="1" hangingPunct="1">
+              <a:defRPr>
+                <a:solidFill>
+                  <a:schemeClr val="tx2"/>
+                </a:solidFill>
+              </a:defRPr>
+            </a:lvl7pPr>
+            <a:lvl8pPr eaLnBrk="1" hangingPunct="1">
+              <a:defRPr>
+                <a:solidFill>
+                  <a:schemeClr val="tx2"/>
+                </a:solidFill>
+              </a:defRPr>
+            </a:lvl8pPr>
+            <a:lvl9pPr eaLnBrk="1" hangingPunct="1">
+              <a:defRPr>
+                <a:solidFill>
+                  <a:schemeClr val="tx2"/>
+                </a:solidFill>
+              </a:defRPr>
+            </a:lvl9pPr>
+          </a:lstStyle>
+          <a:p>
+            <a:r>
+              <a:rPr lang="en-US" dirty="0" smtClean="0"/>
+              <a:t>Questions?</a:t>
+            </a:r>
+            <a:endParaRPr lang="en-US" dirty="0"/>
+          </a:p>
+        </p:txBody>
+      </p:sp>
     </p:spTree>
     <p:extLst>
       <p:ext uri="{BB962C8B-B14F-4D97-AF65-F5344CB8AC3E}">
@@ -9484,11 +10766,7 @@
                                           </p:stCondLst>
                                         </p:cTn>
                                         <p:tgtEl>
-                                          <p:spTgt spid="5">
-                                            <p:txEl>
-                                              <p:pRg st="0" end="0"/>
-                                            </p:txEl>
-                                          </p:spTgt>
+                                          <p:spTgt spid="7"/>
                                         </p:tgtEl>
                                         <p:attrNameLst>
                                           <p:attrName>style.visibility</p:attrName>
@@ -9533,7 +10811,7 @@
                                           </p:stCondLst>
                                         </p:cTn>
                                         <p:tgtEl>
-                                          <p:spTgt spid="6"/>
+                                          <p:spTgt spid="9"/>
                                         </p:tgtEl>
                                         <p:attrNameLst>
                                           <p:attrName>style.visibility</p:attrName>
@@ -9547,7 +10825,7 @@
                                       <p:cBhvr>
                                         <p:cTn id="11" dur="500"/>
                                         <p:tgtEl>
-                                          <p:spTgt spid="6"/>
+                                          <p:spTgt spid="9"/>
                                         </p:tgtEl>
                                       </p:cBhvr>
                                     </p:animEffect>
@@ -9573,7 +10851,7 @@
                             </p:stCondLst>
                             <p:childTnLst>
                               <p:par>
-                                <p:cTn id="14" presetID="1" presetClass="entr" presetSubtype="0" fill="hold" grpId="0" nodeType="clickEffect">
+                                <p:cTn id="14" presetID="16" presetClass="entr" presetSubtype="21" fill="hold" grpId="0" nodeType="clickEffect">
                                   <p:stCondLst>
                                     <p:cond delay="0"/>
                                   </p:stCondLst>
@@ -9586,7 +10864,7 @@
                                           </p:stCondLst>
                                         </p:cTn>
                                         <p:tgtEl>
-                                          <p:spTgt spid="7"/>
+                                          <p:spTgt spid="12"/>
                                         </p:tgtEl>
                                         <p:attrNameLst>
                                           <p:attrName>style.visibility</p:attrName>
@@ -9596,56 +10874,11 @@
                                         <p:strVal val="visible"/>
                                       </p:to>
                                     </p:set>
-                                  </p:childTnLst>
-                                </p:cTn>
-                              </p:par>
-                            </p:childTnLst>
-                          </p:cTn>
-                        </p:par>
-                      </p:childTnLst>
-                    </p:cTn>
-                  </p:par>
-                  <p:par>
-                    <p:cTn id="16" fill="hold">
-                      <p:stCondLst>
-                        <p:cond delay="indefinite"/>
-                      </p:stCondLst>
-                      <p:childTnLst>
-                        <p:par>
-                          <p:cTn id="17" fill="hold">
-                            <p:stCondLst>
-                              <p:cond delay="0"/>
-                            </p:stCondLst>
-                            <p:childTnLst>
-                              <p:par>
-                                <p:cTn id="18" presetID="10" presetClass="entr" presetSubtype="0" fill="hold" grpId="0" nodeType="clickEffect">
-                                  <p:stCondLst>
-                                    <p:cond delay="0"/>
-                                  </p:stCondLst>
-                                  <p:childTnLst>
-                                    <p:set>
+                                    <p:animEffect transition="in" filter="barn(inVertical)">
                                       <p:cBhvr>
-                                        <p:cTn id="19" dur="1" fill="hold">
-                                          <p:stCondLst>
-                                            <p:cond delay="0"/>
-                                          </p:stCondLst>
-                                        </p:cTn>
+                                        <p:cTn id="16" dur="500"/>
                                         <p:tgtEl>
-                                          <p:spTgt spid="9"/>
-                                        </p:tgtEl>
-                                        <p:attrNameLst>
-                                          <p:attrName>style.visibility</p:attrName>
-                                        </p:attrNameLst>
-                                      </p:cBhvr>
-                                      <p:to>
-                                        <p:strVal val="visible"/>
-                                      </p:to>
-                                    </p:set>
-                                    <p:animEffect transition="in" filter="fade">
-                                      <p:cBhvr>
-                                        <p:cTn id="20" dur="500"/>
-                                        <p:tgtEl>
-                                          <p:spTgt spid="9"/>
+                                          <p:spTgt spid="12"/>
                                         </p:tgtEl>
                                       </p:cBhvr>
                                     </p:animEffect>
@@ -9659,26 +10892,26 @@
                     </p:cTn>
                   </p:par>
                   <p:par>
-                    <p:cTn id="21" fill="hold">
+                    <p:cTn id="17" fill="hold">
                       <p:stCondLst>
                         <p:cond delay="indefinite"/>
                       </p:stCondLst>
                       <p:childTnLst>
                         <p:par>
-                          <p:cTn id="22" fill="hold">
+                          <p:cTn id="18" fill="hold">
                             <p:stCondLst>
                               <p:cond delay="0"/>
                             </p:stCondLst>
                             <p:childTnLst>
                               <p:par>
-                                <p:cTn id="23" presetID="1" presetClass="entr" presetSubtype="0" fill="hold" grpId="0" nodeType="clickEffect">
+                                <p:cTn id="19" presetID="1" presetClass="entr" presetSubtype="0" fill="hold" grpId="0" nodeType="clickEffect">
                                   <p:stCondLst>
                                     <p:cond delay="0"/>
                                   </p:stCondLst>
                                   <p:childTnLst>
                                     <p:set>
                                       <p:cBhvr>
-                                        <p:cTn id="24" dur="1" fill="hold">
+                                        <p:cTn id="20" dur="1" fill="hold">
                                           <p:stCondLst>
                                             <p:cond delay="0"/>
                                           </p:stCondLst>
@@ -9704,26 +10937,26 @@
                     </p:cTn>
                   </p:par>
                   <p:par>
-                    <p:cTn id="25" fill="hold">
+                    <p:cTn id="21" fill="hold">
                       <p:stCondLst>
                         <p:cond delay="indefinite"/>
                       </p:stCondLst>
                       <p:childTnLst>
                         <p:par>
-                          <p:cTn id="26" fill="hold">
+                          <p:cTn id="22" fill="hold">
                             <p:stCondLst>
                               <p:cond delay="0"/>
                             </p:stCondLst>
                             <p:childTnLst>
                               <p:par>
-                                <p:cTn id="27" presetID="10" presetClass="entr" presetSubtype="0" fill="hold" nodeType="clickEffect">
+                                <p:cTn id="23" presetID="10" presetClass="entr" presetSubtype="0" fill="hold" nodeType="clickEffect">
                                   <p:stCondLst>
                                     <p:cond delay="0"/>
                                   </p:stCondLst>
                                   <p:childTnLst>
                                     <p:set>
                                       <p:cBhvr>
-                                        <p:cTn id="28" dur="1" fill="hold">
+                                        <p:cTn id="24" dur="1" fill="hold">
                                           <p:stCondLst>
                                             <p:cond delay="0"/>
                                           </p:stCondLst>
@@ -9741,7 +10974,7 @@
                                     </p:set>
                                     <p:animEffect transition="in" filter="fade">
                                       <p:cBhvr>
-                                        <p:cTn id="29" dur="500"/>
+                                        <p:cTn id="25" dur="500"/>
                                         <p:tgtEl>
                                           <p:spTgt spid="11"/>
                                         </p:tgtEl>
@@ -9778,77 +11011,11 @@
       </p:par>
     </p:tnLst>
     <p:bldLst>
-      <p:bldP spid="5" grpId="0" build="p"/>
-      <p:bldP spid="6" grpId="0"/>
       <p:bldP spid="7" grpId="0"/>
       <p:bldP spid="9" grpId="0"/>
       <p:bldP spid="10" grpId="0"/>
+      <p:bldP spid="12" grpId="0"/>
     </p:bldLst>
-  </p:timing>
-</p:sld>
-</file>
-
-<file path=ppt/slides/slide4.xml><?xml version="1.0" encoding="utf-8"?>
-<p:sld xmlns:a="http://schemas.openxmlformats.org/drawingml/2006/main" xmlns:r="http://schemas.openxmlformats.org/officeDocument/2006/relationships" xmlns:p="http://schemas.openxmlformats.org/presentationml/2006/main">
-  <p:cSld>
-    <p:spTree>
-      <p:nvGrpSpPr>
-        <p:cNvPr id="1" name=""/>
-        <p:cNvGrpSpPr/>
-        <p:nvPr/>
-      </p:nvGrpSpPr>
-      <p:grpSpPr>
-        <a:xfrm>
-          <a:off x="0" y="0"/>
-          <a:ext cx="0" cy="0"/>
-          <a:chOff x="0" y="0"/>
-          <a:chExt cx="0" cy="0"/>
-        </a:xfrm>
-      </p:grpSpPr>
-      <p:sp>
-        <p:nvSpPr>
-          <p:cNvPr id="2" name="Title 1"/>
-          <p:cNvSpPr>
-            <a:spLocks noGrp="1"/>
-          </p:cNvSpPr>
-          <p:nvPr>
-            <p:ph type="title"/>
-          </p:nvPr>
-        </p:nvSpPr>
-        <p:spPr>
-          <a:xfrm>
-            <a:off x="4426177" y="2853018"/>
-            <a:ext cx="3117624" cy="1400530"/>
-          </a:xfrm>
-        </p:spPr>
-        <p:txBody>
-          <a:bodyPr/>
-          <a:lstStyle/>
-          <a:p>
-            <a:r>
-              <a:rPr lang="en-US" dirty="0" smtClean="0"/>
-              <a:t>Questions?</a:t>
-            </a:r>
-            <a:endParaRPr lang="en-US" dirty="0"/>
-          </a:p>
-        </p:txBody>
-      </p:sp>
-    </p:spTree>
-    <p:extLst>
-      <p:ext uri="{BB962C8B-B14F-4D97-AF65-F5344CB8AC3E}">
-        <p14:creationId xmlns:p14="http://schemas.microsoft.com/office/powerpoint/2010/main" val="2004244582"/>
-      </p:ext>
-    </p:extLst>
-  </p:cSld>
-  <p:clrMapOvr>
-    <a:masterClrMapping/>
-  </p:clrMapOvr>
-  <p:timing>
-    <p:tnLst>
-      <p:par>
-        <p:cTn id="1" dur="indefinite" restart="never" nodeType="tmRoot"/>
-      </p:par>
-    </p:tnLst>
   </p:timing>
 </p:sld>
 </file>
@@ -10116,4 +11283,265 @@
     </a:ext>
   </a:extLst>
 </a:theme>
+</file>
+
+<file path=ppt/theme/theme2.xml><?xml version="1.0" encoding="utf-8"?>
+<a:theme xmlns:a="http://schemas.openxmlformats.org/drawingml/2006/main" name="Office Theme">
+  <a:themeElements>
+    <a:clrScheme name="Office">
+      <a:dk1>
+        <a:sysClr val="windowText" lastClr="000000"/>
+      </a:dk1>
+      <a:lt1>
+        <a:sysClr val="window" lastClr="FFFFFF"/>
+      </a:lt1>
+      <a:dk2>
+        <a:srgbClr val="44546A"/>
+      </a:dk2>
+      <a:lt2>
+        <a:srgbClr val="E7E6E6"/>
+      </a:lt2>
+      <a:accent1>
+        <a:srgbClr val="5B9BD5"/>
+      </a:accent1>
+      <a:accent2>
+        <a:srgbClr val="ED7D31"/>
+      </a:accent2>
+      <a:accent3>
+        <a:srgbClr val="A5A5A5"/>
+      </a:accent3>
+      <a:accent4>
+        <a:srgbClr val="FFC000"/>
+      </a:accent4>
+      <a:accent5>
+        <a:srgbClr val="4472C4"/>
+      </a:accent5>
+      <a:accent6>
+        <a:srgbClr val="70AD47"/>
+      </a:accent6>
+      <a:hlink>
+        <a:srgbClr val="0563C1"/>
+      </a:hlink>
+      <a:folHlink>
+        <a:srgbClr val="954F72"/>
+      </a:folHlink>
+    </a:clrScheme>
+    <a:fontScheme name="Office">
+      <a:majorFont>
+        <a:latin typeface="Calibri Light" panose="020F0302020204030204"/>
+        <a:ea typeface=""/>
+        <a:cs typeface=""/>
+        <a:font script="Jpan" typeface="游ゴシック Light"/>
+        <a:font script="Hang" typeface="맑은 고딕"/>
+        <a:font script="Hans" typeface="等线 Light"/>
+        <a:font script="Hant" typeface="新細明體"/>
+        <a:font script="Arab" typeface="Times New Roman"/>
+        <a:font script="Hebr" typeface="Times New Roman"/>
+        <a:font script="Thai" typeface="Angsana New"/>
+        <a:font script="Ethi" typeface="Nyala"/>
+        <a:font script="Beng" typeface="Vrinda"/>
+        <a:font script="Gujr" typeface="Shruti"/>
+        <a:font script="Khmr" typeface="MoolBoran"/>
+        <a:font script="Knda" typeface="Tunga"/>
+        <a:font script="Guru" typeface="Raavi"/>
+        <a:font script="Cans" typeface="Euphemia"/>
+        <a:font script="Cher" typeface="Plantagenet Cherokee"/>
+        <a:font script="Yiii" typeface="Microsoft Yi Baiti"/>
+        <a:font script="Tibt" typeface="Microsoft Himalaya"/>
+        <a:font script="Thaa" typeface="MV Boli"/>
+        <a:font script="Deva" typeface="Mangal"/>
+        <a:font script="Telu" typeface="Gautami"/>
+        <a:font script="Taml" typeface="Latha"/>
+        <a:font script="Syrc" typeface="Estrangelo Edessa"/>
+        <a:font script="Orya" typeface="Kalinga"/>
+        <a:font script="Mlym" typeface="Kartika"/>
+        <a:font script="Laoo" typeface="DokChampa"/>
+        <a:font script="Sinh" typeface="Iskoola Pota"/>
+        <a:font script="Mong" typeface="Mongolian Baiti"/>
+        <a:font script="Viet" typeface="Times New Roman"/>
+        <a:font script="Uigh" typeface="Microsoft Uighur"/>
+        <a:font script="Geor" typeface="Sylfaen"/>
+      </a:majorFont>
+      <a:minorFont>
+        <a:latin typeface="Calibri" panose="020F0502020204030204"/>
+        <a:ea typeface=""/>
+        <a:cs typeface=""/>
+        <a:font script="Jpan" typeface="游ゴシック"/>
+        <a:font script="Hang" typeface="맑은 고딕"/>
+        <a:font script="Hans" typeface="等线"/>
+        <a:font script="Hant" typeface="新細明體"/>
+        <a:font script="Arab" typeface="Arial"/>
+        <a:font script="Hebr" typeface="Arial"/>
+        <a:font script="Thai" typeface="Cordia New"/>
+        <a:font script="Ethi" typeface="Nyala"/>
+        <a:font script="Beng" typeface="Vrinda"/>
+        <a:font script="Gujr" typeface="Shruti"/>
+        <a:font script="Khmr" typeface="DaunPenh"/>
+        <a:font script="Knda" typeface="Tunga"/>
+        <a:font script="Guru" typeface="Raavi"/>
+        <a:font script="Cans" typeface="Euphemia"/>
+        <a:font script="Cher" typeface="Plantagenet Cherokee"/>
+        <a:font script="Yiii" typeface="Microsoft Yi Baiti"/>
+        <a:font script="Tibt" typeface="Microsoft Himalaya"/>
+        <a:font script="Thaa" typeface="MV Boli"/>
+        <a:font script="Deva" typeface="Mangal"/>
+        <a:font script="Telu" typeface="Gautami"/>
+        <a:font script="Taml" typeface="Latha"/>
+        <a:font script="Syrc" typeface="Estrangelo Edessa"/>
+        <a:font script="Orya" typeface="Kalinga"/>
+        <a:font script="Mlym" typeface="Kartika"/>
+        <a:font script="Laoo" typeface="DokChampa"/>
+        <a:font script="Sinh" typeface="Iskoola Pota"/>
+        <a:font script="Mong" typeface="Mongolian Baiti"/>
+        <a:font script="Viet" typeface="Arial"/>
+        <a:font script="Uigh" typeface="Microsoft Uighur"/>
+        <a:font script="Geor" typeface="Sylfaen"/>
+      </a:minorFont>
+    </a:fontScheme>
+    <a:fmtScheme name="Office">
+      <a:fillStyleLst>
+        <a:solidFill>
+          <a:schemeClr val="phClr"/>
+        </a:solidFill>
+        <a:gradFill rotWithShape="1">
+          <a:gsLst>
+            <a:gs pos="0">
+              <a:schemeClr val="phClr">
+                <a:lumMod val="110000"/>
+                <a:satMod val="105000"/>
+                <a:tint val="67000"/>
+              </a:schemeClr>
+            </a:gs>
+            <a:gs pos="50000">
+              <a:schemeClr val="phClr">
+                <a:lumMod val="105000"/>
+                <a:satMod val="103000"/>
+                <a:tint val="73000"/>
+              </a:schemeClr>
+            </a:gs>
+            <a:gs pos="100000">
+              <a:schemeClr val="phClr">
+                <a:lumMod val="105000"/>
+                <a:satMod val="109000"/>
+                <a:tint val="81000"/>
+              </a:schemeClr>
+            </a:gs>
+          </a:gsLst>
+          <a:lin ang="5400000" scaled="0"/>
+        </a:gradFill>
+        <a:gradFill rotWithShape="1">
+          <a:gsLst>
+            <a:gs pos="0">
+              <a:schemeClr val="phClr">
+                <a:satMod val="103000"/>
+                <a:lumMod val="102000"/>
+                <a:tint val="94000"/>
+              </a:schemeClr>
+            </a:gs>
+            <a:gs pos="50000">
+              <a:schemeClr val="phClr">
+                <a:satMod val="110000"/>
+                <a:lumMod val="100000"/>
+                <a:shade val="100000"/>
+              </a:schemeClr>
+            </a:gs>
+            <a:gs pos="100000">
+              <a:schemeClr val="phClr">
+                <a:lumMod val="99000"/>
+                <a:satMod val="120000"/>
+                <a:shade val="78000"/>
+              </a:schemeClr>
+            </a:gs>
+          </a:gsLst>
+          <a:lin ang="5400000" scaled="0"/>
+        </a:gradFill>
+      </a:fillStyleLst>
+      <a:lnStyleLst>
+        <a:ln w="6350" cap="flat" cmpd="sng" algn="ctr">
+          <a:solidFill>
+            <a:schemeClr val="phClr"/>
+          </a:solidFill>
+          <a:prstDash val="solid"/>
+          <a:miter lim="800000"/>
+        </a:ln>
+        <a:ln w="12700" cap="flat" cmpd="sng" algn="ctr">
+          <a:solidFill>
+            <a:schemeClr val="phClr"/>
+          </a:solidFill>
+          <a:prstDash val="solid"/>
+          <a:miter lim="800000"/>
+        </a:ln>
+        <a:ln w="19050" cap="flat" cmpd="sng" algn="ctr">
+          <a:solidFill>
+            <a:schemeClr val="phClr"/>
+          </a:solidFill>
+          <a:prstDash val="solid"/>
+          <a:miter lim="800000"/>
+        </a:ln>
+      </a:lnStyleLst>
+      <a:effectStyleLst>
+        <a:effectStyle>
+          <a:effectLst/>
+        </a:effectStyle>
+        <a:effectStyle>
+          <a:effectLst/>
+        </a:effectStyle>
+        <a:effectStyle>
+          <a:effectLst>
+            <a:outerShdw blurRad="57150" dist="19050" dir="5400000" algn="ctr" rotWithShape="0">
+              <a:srgbClr val="000000">
+                <a:alpha val="63000"/>
+              </a:srgbClr>
+            </a:outerShdw>
+          </a:effectLst>
+        </a:effectStyle>
+      </a:effectStyleLst>
+      <a:bgFillStyleLst>
+        <a:solidFill>
+          <a:schemeClr val="phClr"/>
+        </a:solidFill>
+        <a:solidFill>
+          <a:schemeClr val="phClr">
+            <a:tint val="95000"/>
+            <a:satMod val="170000"/>
+          </a:schemeClr>
+        </a:solidFill>
+        <a:gradFill rotWithShape="1">
+          <a:gsLst>
+            <a:gs pos="0">
+              <a:schemeClr val="phClr">
+                <a:tint val="93000"/>
+                <a:satMod val="150000"/>
+                <a:shade val="98000"/>
+                <a:lumMod val="102000"/>
+              </a:schemeClr>
+            </a:gs>
+            <a:gs pos="50000">
+              <a:schemeClr val="phClr">
+                <a:tint val="98000"/>
+                <a:satMod val="130000"/>
+                <a:shade val="90000"/>
+                <a:lumMod val="103000"/>
+              </a:schemeClr>
+            </a:gs>
+            <a:gs pos="100000">
+              <a:schemeClr val="phClr">
+                <a:shade val="63000"/>
+                <a:satMod val="120000"/>
+              </a:schemeClr>
+            </a:gs>
+          </a:gsLst>
+          <a:lin ang="5400000" scaled="0"/>
+        </a:gradFill>
+      </a:bgFillStyleLst>
+    </a:fmtScheme>
+  </a:themeElements>
+  <a:objectDefaults/>
+  <a:extraClrSchemeLst/>
+  <a:extLst>
+    <a:ext uri="{05A4C25C-085E-4340-85A3-A5531E510DB2}">
+      <thm15:themeFamily xmlns:thm15="http://schemas.microsoft.com/office/thememl/2012/main" name="Office Theme" id="{62F939B6-93AF-4DB8-9C6B-D6C7DFDC589F}" vid="{4A3C46E8-61CC-4603-A589-7422A47A8E4A}"/>
+    </a:ext>
+  </a:extLst>
+</a:theme>
 </file>